--- a/day3/미리가는 연구실(07.24).pptx
+++ b/day3/미리가는 연구실(07.24).pptx
@@ -5,20 +5,22 @@
     <p:sldMasterId id="2147483648" r:id="rId1"/>
   </p:sldMasterIdLst>
   <p:notesMasterIdLst>
-    <p:notesMasterId r:id="rId13"/>
+    <p:notesMasterId r:id="rId15"/>
   </p:notesMasterIdLst>
   <p:sldIdLst>
     <p:sldId id="814" r:id="rId2"/>
     <p:sldId id="850" r:id="rId3"/>
     <p:sldId id="833" r:id="rId4"/>
     <p:sldId id="836" r:id="rId5"/>
-    <p:sldId id="839" r:id="rId6"/>
-    <p:sldId id="837" r:id="rId7"/>
-    <p:sldId id="840" r:id="rId8"/>
-    <p:sldId id="841" r:id="rId9"/>
-    <p:sldId id="851" r:id="rId10"/>
-    <p:sldId id="852" r:id="rId11"/>
-    <p:sldId id="853" r:id="rId12"/>
+    <p:sldId id="854" r:id="rId6"/>
+    <p:sldId id="855" r:id="rId7"/>
+    <p:sldId id="839" r:id="rId8"/>
+    <p:sldId id="837" r:id="rId9"/>
+    <p:sldId id="840" r:id="rId10"/>
+    <p:sldId id="841" r:id="rId11"/>
+    <p:sldId id="851" r:id="rId12"/>
+    <p:sldId id="852" r:id="rId13"/>
+    <p:sldId id="853" r:id="rId14"/>
   </p:sldIdLst>
   <p:sldSz cx="12192000" cy="6858000"/>
   <p:notesSz cx="6858000" cy="9144000"/>
@@ -210,7 +212,7 @@
           <a:p>
             <a:fld id="{084B7645-5A85-4AA5-BF49-75B4F7825CA6}" type="datetimeFigureOut">
               <a:rPr lang="ko-KR" altLang="en-US" smtClean="0"/>
-              <a:t>2024-07-23</a:t>
+              <a:t>2024-07-24</a:t>
             </a:fld>
             <a:endParaRPr lang="ko-KR" altLang="en-US"/>
           </a:p>
@@ -624,7 +626,7 @@
           <a:p>
             <a:fld id="{1943D854-703F-4C12-83B4-4B8E22921AD1}" type="datetimeFigureOut">
               <a:rPr lang="ko-KR" altLang="en-US" smtClean="0"/>
-              <a:t>2024-07-23</a:t>
+              <a:t>2024-07-24</a:t>
             </a:fld>
             <a:endParaRPr lang="ko-KR" altLang="en-US"/>
           </a:p>
@@ -822,7 +824,7 @@
           <a:p>
             <a:fld id="{1943D854-703F-4C12-83B4-4B8E22921AD1}" type="datetimeFigureOut">
               <a:rPr lang="ko-KR" altLang="en-US" smtClean="0"/>
-              <a:t>2024-07-23</a:t>
+              <a:t>2024-07-24</a:t>
             </a:fld>
             <a:endParaRPr lang="ko-KR" altLang="en-US"/>
           </a:p>
@@ -1030,7 +1032,7 @@
           <a:p>
             <a:fld id="{1943D854-703F-4C12-83B4-4B8E22921AD1}" type="datetimeFigureOut">
               <a:rPr lang="ko-KR" altLang="en-US" smtClean="0"/>
-              <a:t>2024-07-23</a:t>
+              <a:t>2024-07-24</a:t>
             </a:fld>
             <a:endParaRPr lang="ko-KR" altLang="en-US"/>
           </a:p>
@@ -1656,7 +1658,7 @@
           <a:p>
             <a:fld id="{1943D854-703F-4C12-83B4-4B8E22921AD1}" type="datetimeFigureOut">
               <a:rPr lang="ko-KR" altLang="en-US" smtClean="0"/>
-              <a:t>2024-07-23</a:t>
+              <a:t>2024-07-24</a:t>
             </a:fld>
             <a:endParaRPr lang="ko-KR" altLang="en-US"/>
           </a:p>
@@ -1931,7 +1933,7 @@
           <a:p>
             <a:fld id="{1943D854-703F-4C12-83B4-4B8E22921AD1}" type="datetimeFigureOut">
               <a:rPr lang="ko-KR" altLang="en-US" smtClean="0"/>
-              <a:t>2024-07-23</a:t>
+              <a:t>2024-07-24</a:t>
             </a:fld>
             <a:endParaRPr lang="ko-KR" altLang="en-US"/>
           </a:p>
@@ -2196,7 +2198,7 @@
           <a:p>
             <a:fld id="{1943D854-703F-4C12-83B4-4B8E22921AD1}" type="datetimeFigureOut">
               <a:rPr lang="ko-KR" altLang="en-US" smtClean="0"/>
-              <a:t>2024-07-23</a:t>
+              <a:t>2024-07-24</a:t>
             </a:fld>
             <a:endParaRPr lang="ko-KR" altLang="en-US"/>
           </a:p>
@@ -2608,7 +2610,7 @@
           <a:p>
             <a:fld id="{1943D854-703F-4C12-83B4-4B8E22921AD1}" type="datetimeFigureOut">
               <a:rPr lang="ko-KR" altLang="en-US" smtClean="0"/>
-              <a:t>2024-07-23</a:t>
+              <a:t>2024-07-24</a:t>
             </a:fld>
             <a:endParaRPr lang="ko-KR" altLang="en-US"/>
           </a:p>
@@ -2749,7 +2751,7 @@
           <a:p>
             <a:fld id="{1943D854-703F-4C12-83B4-4B8E22921AD1}" type="datetimeFigureOut">
               <a:rPr lang="ko-KR" altLang="en-US" smtClean="0"/>
-              <a:t>2024-07-23</a:t>
+              <a:t>2024-07-24</a:t>
             </a:fld>
             <a:endParaRPr lang="ko-KR" altLang="en-US"/>
           </a:p>
@@ -2862,7 +2864,7 @@
           <a:p>
             <a:fld id="{1943D854-703F-4C12-83B4-4B8E22921AD1}" type="datetimeFigureOut">
               <a:rPr lang="ko-KR" altLang="en-US" smtClean="0"/>
-              <a:t>2024-07-23</a:t>
+              <a:t>2024-07-24</a:t>
             </a:fld>
             <a:endParaRPr lang="ko-KR" altLang="en-US"/>
           </a:p>
@@ -3173,7 +3175,7 @@
           <a:p>
             <a:fld id="{1943D854-703F-4C12-83B4-4B8E22921AD1}" type="datetimeFigureOut">
               <a:rPr lang="ko-KR" altLang="en-US" smtClean="0"/>
-              <a:t>2024-07-23</a:t>
+              <a:t>2024-07-24</a:t>
             </a:fld>
             <a:endParaRPr lang="ko-KR" altLang="en-US"/>
           </a:p>
@@ -3461,7 +3463,7 @@
           <a:p>
             <a:fld id="{1943D854-703F-4C12-83B4-4B8E22921AD1}" type="datetimeFigureOut">
               <a:rPr lang="ko-KR" altLang="en-US" smtClean="0"/>
-              <a:t>2024-07-23</a:t>
+              <a:t>2024-07-24</a:t>
             </a:fld>
             <a:endParaRPr lang="ko-KR" altLang="en-US"/>
           </a:p>
@@ -3702,7 +3704,7 @@
           <a:p>
             <a:fld id="{1943D854-703F-4C12-83B4-4B8E22921AD1}" type="datetimeFigureOut">
               <a:rPr lang="ko-KR" altLang="en-US" smtClean="0"/>
-              <a:t>2024-07-23</a:t>
+              <a:t>2024-07-24</a:t>
             </a:fld>
             <a:endParaRPr lang="ko-KR" altLang="en-US"/>
           </a:p>
@@ -4356,6 +4358,503 @@
           <p:cNvPr id="3" name="텍스트 개체 틀 2">
             <a:extLst>
               <a:ext uri="{FF2B5EF4-FFF2-40B4-BE49-F238E27FC236}">
+                <a16:creationId xmlns:a16="http://schemas.microsoft.com/office/drawing/2014/main" id="{D79396E7-1FC2-4086-B9F6-AC12073F2C90}"/>
+              </a:ext>
+            </a:extLst>
+          </p:cNvPr>
+          <p:cNvSpPr>
+            <a:spLocks noGrp="1"/>
+          </p:cNvSpPr>
+          <p:nvPr>
+            <p:ph type="body" sz="quarter" idx="13"/>
+          </p:nvPr>
+        </p:nvSpPr>
+        <p:spPr/>
+        <p:txBody>
+          <a:bodyPr/>
+          <a:lstStyle/>
+          <a:p>
+            <a:r>
+              <a:rPr lang="ko-KR" altLang="en-US" dirty="0"/>
+              <a:t>소스코드</a:t>
+            </a:r>
+          </a:p>
+        </p:txBody>
+      </p:sp>
+      <p:sp>
+        <p:nvSpPr>
+          <p:cNvPr id="2" name="Rectangle 1">
+            <a:extLst>
+              <a:ext uri="{FF2B5EF4-FFF2-40B4-BE49-F238E27FC236}">
+                <a16:creationId xmlns:a16="http://schemas.microsoft.com/office/drawing/2014/main" id="{02FD9A83-5236-45E8-9A57-2F3FBE786106}"/>
+              </a:ext>
+            </a:extLst>
+          </p:cNvPr>
+          <p:cNvSpPr>
+            <a:spLocks noChangeArrowheads="1"/>
+          </p:cNvSpPr>
+          <p:nvPr/>
+        </p:nvSpPr>
+        <p:spPr bwMode="auto">
+          <a:xfrm>
+            <a:off x="454523" y="1546345"/>
+            <a:ext cx="7179242" cy="2800767"/>
+          </a:xfrm>
+          <a:prstGeom prst="rect">
+            <a:avLst/>
+          </a:prstGeom>
+          <a:noFill/>
+          <a:ln w="9525">
+            <a:noFill/>
+            <a:miter lim="800000"/>
+            <a:headEnd/>
+            <a:tailEnd/>
+          </a:ln>
+          <a:effectLst/>
+        </p:spPr>
+        <p:txBody>
+          <a:bodyPr vert="horz" wrap="square" lIns="91440" tIns="45720" rIns="91440" bIns="45720" numCol="1" anchor="ctr" anchorCtr="0" compatLnSpc="1">
+            <a:prstTxWarp prst="textNoShape">
+              <a:avLst/>
+            </a:prstTxWarp>
+            <a:spAutoFit/>
+          </a:bodyPr>
+          <a:lstStyle/>
+          <a:p>
+            <a:pPr marL="0" marR="0" lvl="0" indent="0" algn="l" defTabSz="914400" rtl="0" eaLnBrk="0" fontAlgn="base" latinLnBrk="0" hangingPunct="0">
+              <a:lnSpc>
+                <a:spcPct val="100000"/>
+              </a:lnSpc>
+              <a:spcBef>
+                <a:spcPct val="0"/>
+              </a:spcBef>
+              <a:spcAft>
+                <a:spcPct val="0"/>
+              </a:spcAft>
+              <a:buClrTx/>
+              <a:buSzTx/>
+              <a:buFontTx/>
+              <a:buNone/>
+              <a:tabLst/>
+            </a:pPr>
+            <a:r>
+              <a:rPr kumimoji="0" lang="ko-KR" altLang="ko-KR" sz="1600" b="0" i="0" u="none" strike="noStrike" cap="none" normalizeH="0" baseline="0">
+                <a:ln>
+                  <a:noFill/>
+                </a:ln>
+                <a:effectLst/>
+                <a:latin typeface="Arial Unicode MS"/>
+                <a:ea typeface="JetBrains Mono"/>
+              </a:rPr>
+              <a:t>import serial</a:t>
+            </a:r>
+            <a:br>
+              <a:rPr kumimoji="0" lang="ko-KR" altLang="ko-KR" sz="1600" b="0" i="0" u="none" strike="noStrike" cap="none" normalizeH="0" baseline="0">
+                <a:ln>
+                  <a:noFill/>
+                </a:ln>
+                <a:effectLst/>
+                <a:latin typeface="Arial Unicode MS"/>
+                <a:ea typeface="JetBrains Mono"/>
+              </a:rPr>
+            </a:br>
+            <a:r>
+              <a:rPr kumimoji="0" lang="ko-KR" altLang="ko-KR" sz="1600" b="0" i="0" u="none" strike="noStrike" cap="none" normalizeH="0" baseline="0">
+                <a:ln>
+                  <a:noFill/>
+                </a:ln>
+                <a:effectLst/>
+                <a:latin typeface="Arial Unicode MS"/>
+                <a:ea typeface="JetBrains Mono"/>
+              </a:rPr>
+              <a:t>import time</a:t>
+            </a:r>
+            <a:br>
+              <a:rPr kumimoji="0" lang="ko-KR" altLang="ko-KR" sz="1600" b="0" i="0" u="none" strike="noStrike" cap="none" normalizeH="0" baseline="0">
+                <a:ln>
+                  <a:noFill/>
+                </a:ln>
+                <a:effectLst/>
+                <a:latin typeface="Arial Unicode MS"/>
+                <a:ea typeface="JetBrains Mono"/>
+              </a:rPr>
+            </a:br>
+            <a:br>
+              <a:rPr kumimoji="0" lang="ko-KR" altLang="ko-KR" sz="1600" b="0" i="0" u="none" strike="noStrike" cap="none" normalizeH="0" baseline="0">
+                <a:ln>
+                  <a:noFill/>
+                </a:ln>
+                <a:effectLst/>
+                <a:latin typeface="Arial Unicode MS"/>
+                <a:ea typeface="JetBrains Mono"/>
+              </a:rPr>
+            </a:br>
+            <a:r>
+              <a:rPr kumimoji="0" lang="ko-KR" altLang="ko-KR" sz="1600" b="0" i="0" u="none" strike="noStrike" cap="none" normalizeH="0" baseline="0">
+                <a:ln>
+                  <a:noFill/>
+                </a:ln>
+                <a:effectLst/>
+                <a:latin typeface="Arial Unicode MS"/>
+                <a:ea typeface="JetBrains Mono"/>
+              </a:rPr>
+              <a:t>py_serial=serial.Serial(port='com8',baudrate=9600)</a:t>
+            </a:r>
+            <a:br>
+              <a:rPr kumimoji="0" lang="ko-KR" altLang="ko-KR" sz="1600" b="0" i="0" u="none" strike="noStrike" cap="none" normalizeH="0" baseline="0">
+                <a:ln>
+                  <a:noFill/>
+                </a:ln>
+                <a:effectLst/>
+                <a:latin typeface="Arial Unicode MS"/>
+                <a:ea typeface="JetBrains Mono"/>
+              </a:rPr>
+            </a:br>
+            <a:r>
+              <a:rPr kumimoji="0" lang="ko-KR" altLang="ko-KR" sz="1600" b="0" i="0" u="none" strike="noStrike" cap="none" normalizeH="0" baseline="0">
+                <a:ln>
+                  <a:noFill/>
+                </a:ln>
+                <a:effectLst/>
+                <a:latin typeface="Arial Unicode MS"/>
+                <a:ea typeface="JetBrains Mono"/>
+              </a:rPr>
+              <a:t>while True:</a:t>
+            </a:r>
+            <a:br>
+              <a:rPr kumimoji="0" lang="ko-KR" altLang="ko-KR" sz="1600" b="0" i="0" u="none" strike="noStrike" cap="none" normalizeH="0" baseline="0">
+                <a:ln>
+                  <a:noFill/>
+                </a:ln>
+                <a:effectLst/>
+                <a:latin typeface="Arial Unicode MS"/>
+                <a:ea typeface="JetBrains Mono"/>
+              </a:rPr>
+            </a:br>
+            <a:r>
+              <a:rPr kumimoji="0" lang="ko-KR" altLang="ko-KR" sz="1600" b="0" i="0" u="none" strike="noStrike" cap="none" normalizeH="0" baseline="0">
+                <a:ln>
+                  <a:noFill/>
+                </a:ln>
+                <a:effectLst/>
+                <a:latin typeface="Arial Unicode MS"/>
+                <a:ea typeface="JetBrains Mono"/>
+              </a:rPr>
+              <a:t>    commend=input('</a:t>
+            </a:r>
+            <a:r>
+              <a:rPr kumimoji="0" lang="ko-KR" altLang="ko-KR" sz="1600" b="0" i="0" u="none" strike="noStrike" cap="none" normalizeH="0" baseline="0">
+                <a:ln>
+                  <a:noFill/>
+                </a:ln>
+                <a:effectLst/>
+                <a:latin typeface="맑은 고딕" panose="020B0503020000020004" pitchFamily="50" charset="-127"/>
+                <a:ea typeface="맑은 고딕" panose="020B0503020000020004" pitchFamily="50" charset="-127"/>
+              </a:rPr>
+              <a:t>전송할 글자 입력</a:t>
+            </a:r>
+            <a:r>
+              <a:rPr kumimoji="0" lang="ko-KR" altLang="ko-KR" sz="1600" b="0" i="0" u="none" strike="noStrike" cap="none" normalizeH="0" baseline="0">
+                <a:ln>
+                  <a:noFill/>
+                </a:ln>
+                <a:effectLst/>
+                <a:latin typeface="Arial Unicode MS"/>
+                <a:ea typeface="JetBrains Mono"/>
+              </a:rPr>
+              <a:t>')</a:t>
+            </a:r>
+            <a:br>
+              <a:rPr kumimoji="0" lang="ko-KR" altLang="ko-KR" sz="1600" b="0" i="0" u="none" strike="noStrike" cap="none" normalizeH="0" baseline="0">
+                <a:ln>
+                  <a:noFill/>
+                </a:ln>
+                <a:effectLst/>
+                <a:latin typeface="Arial Unicode MS"/>
+                <a:ea typeface="JetBrains Mono"/>
+              </a:rPr>
+            </a:br>
+            <a:r>
+              <a:rPr kumimoji="0" lang="ko-KR" altLang="ko-KR" sz="1600" b="0" i="0" u="none" strike="noStrike" cap="none" normalizeH="0" baseline="0">
+                <a:ln>
+                  <a:noFill/>
+                </a:ln>
+                <a:effectLst/>
+                <a:latin typeface="Arial Unicode MS"/>
+                <a:ea typeface="JetBrains Mono"/>
+              </a:rPr>
+              <a:t>    py_serial.write(commend.encode())</a:t>
+            </a:r>
+            <a:br>
+              <a:rPr kumimoji="0" lang="ko-KR" altLang="ko-KR" sz="1600" b="0" i="0" u="none" strike="noStrike" cap="none" normalizeH="0" baseline="0">
+                <a:ln>
+                  <a:noFill/>
+                </a:ln>
+                <a:effectLst/>
+                <a:latin typeface="Arial Unicode MS"/>
+                <a:ea typeface="JetBrains Mono"/>
+              </a:rPr>
+            </a:br>
+            <a:r>
+              <a:rPr kumimoji="0" lang="ko-KR" altLang="ko-KR" sz="1600" b="0" i="0" u="none" strike="noStrike" cap="none" normalizeH="0" baseline="0">
+                <a:ln>
+                  <a:noFill/>
+                </a:ln>
+                <a:effectLst/>
+                <a:latin typeface="Arial Unicode MS"/>
+                <a:ea typeface="JetBrains Mono"/>
+              </a:rPr>
+              <a:t>    time.sleep(0.1)</a:t>
+            </a:r>
+            <a:br>
+              <a:rPr kumimoji="0" lang="ko-KR" altLang="ko-KR" sz="1600" b="0" i="0" u="none" strike="noStrike" cap="none" normalizeH="0" baseline="0">
+                <a:ln>
+                  <a:noFill/>
+                </a:ln>
+                <a:effectLst/>
+                <a:latin typeface="Arial Unicode MS"/>
+                <a:ea typeface="JetBrains Mono"/>
+              </a:rPr>
+            </a:br>
+            <a:r>
+              <a:rPr kumimoji="0" lang="ko-KR" altLang="ko-KR" sz="1600" b="0" i="0" u="none" strike="noStrike" cap="none" normalizeH="0" baseline="0">
+                <a:ln>
+                  <a:noFill/>
+                </a:ln>
+                <a:effectLst/>
+                <a:latin typeface="Arial Unicode MS"/>
+                <a:ea typeface="JetBrains Mono"/>
+              </a:rPr>
+              <a:t>    if py_serial.readable():</a:t>
+            </a:r>
+            <a:br>
+              <a:rPr kumimoji="0" lang="ko-KR" altLang="ko-KR" sz="1600" b="0" i="0" u="none" strike="noStrike" cap="none" normalizeH="0" baseline="0">
+                <a:ln>
+                  <a:noFill/>
+                </a:ln>
+                <a:effectLst/>
+                <a:latin typeface="Arial Unicode MS"/>
+                <a:ea typeface="JetBrains Mono"/>
+              </a:rPr>
+            </a:br>
+            <a:r>
+              <a:rPr kumimoji="0" lang="ko-KR" altLang="ko-KR" sz="1600" b="0" i="0" u="none" strike="noStrike" cap="none" normalizeH="0" baseline="0">
+                <a:ln>
+                  <a:noFill/>
+                </a:ln>
+                <a:effectLst/>
+                <a:latin typeface="Arial Unicode MS"/>
+                <a:ea typeface="JetBrains Mono"/>
+              </a:rPr>
+              <a:t>        st1=py_serial.readline()</a:t>
+            </a:r>
+            <a:br>
+              <a:rPr kumimoji="0" lang="ko-KR" altLang="ko-KR" sz="1600" b="0" i="0" u="none" strike="noStrike" cap="none" normalizeH="0" baseline="0">
+                <a:ln>
+                  <a:noFill/>
+                </a:ln>
+                <a:effectLst/>
+                <a:latin typeface="Arial Unicode MS"/>
+                <a:ea typeface="JetBrains Mono"/>
+              </a:rPr>
+            </a:br>
+            <a:r>
+              <a:rPr kumimoji="0" lang="ko-KR" altLang="ko-KR" sz="1600" b="0" i="0" u="none" strike="noStrike" cap="none" normalizeH="0" baseline="0">
+                <a:ln>
+                  <a:noFill/>
+                </a:ln>
+                <a:effectLst/>
+                <a:latin typeface="Arial Unicode MS"/>
+                <a:ea typeface="JetBrains Mono"/>
+              </a:rPr>
+              <a:t>        print(st1[:len(st1)-1].decode())</a:t>
+            </a:r>
+            <a:endParaRPr kumimoji="0" lang="ko-KR" altLang="ko-KR" sz="4000" b="0" i="0" u="none" strike="noStrike" cap="none" normalizeH="0" baseline="0">
+              <a:ln>
+                <a:noFill/>
+              </a:ln>
+              <a:effectLst/>
+              <a:latin typeface="Arial" panose="020B0604020202020204" pitchFamily="34" charset="0"/>
+            </a:endParaRPr>
+          </a:p>
+        </p:txBody>
+      </p:sp>
+    </p:spTree>
+    <p:extLst>
+      <p:ext uri="{BB962C8B-B14F-4D97-AF65-F5344CB8AC3E}">
+        <p14:creationId xmlns:p14="http://schemas.microsoft.com/office/powerpoint/2010/main" val="4182150535"/>
+      </p:ext>
+    </p:extLst>
+  </p:cSld>
+  <p:clrMapOvr>
+    <a:masterClrMapping/>
+  </p:clrMapOvr>
+</p:sld>
+</file>
+
+<file path=ppt/slides/slide11.xml><?xml version="1.0" encoding="utf-8"?>
+<p:sld xmlns:a="http://schemas.openxmlformats.org/drawingml/2006/main" xmlns:r="http://schemas.openxmlformats.org/officeDocument/2006/relationships" xmlns:p="http://schemas.openxmlformats.org/presentationml/2006/main">
+  <p:cSld>
+    <p:spTree>
+      <p:nvGrpSpPr>
+        <p:cNvPr id="1" name=""/>
+        <p:cNvGrpSpPr/>
+        <p:nvPr/>
+      </p:nvGrpSpPr>
+      <p:grpSpPr>
+        <a:xfrm>
+          <a:off x="0" y="0"/>
+          <a:ext cx="0" cy="0"/>
+          <a:chOff x="0" y="0"/>
+          <a:chExt cx="0" cy="0"/>
+        </a:xfrm>
+      </p:grpSpPr>
+      <p:sp>
+        <p:nvSpPr>
+          <p:cNvPr id="3" name="텍스트 개체 틀 2">
+            <a:extLst>
+              <a:ext uri="{FF2B5EF4-FFF2-40B4-BE49-F238E27FC236}">
+                <a16:creationId xmlns:a16="http://schemas.microsoft.com/office/drawing/2014/main" id="{624954C4-2E32-42B6-B6BB-4A054E4D991A}"/>
+              </a:ext>
+            </a:extLst>
+          </p:cNvPr>
+          <p:cNvSpPr>
+            <a:spLocks noGrp="1"/>
+          </p:cNvSpPr>
+          <p:nvPr>
+            <p:ph type="body" sz="quarter" idx="13"/>
+          </p:nvPr>
+        </p:nvSpPr>
+        <p:spPr/>
+        <p:txBody>
+          <a:bodyPr/>
+          <a:lstStyle/>
+          <a:p>
+            <a:r>
+              <a:rPr lang="ko-KR" altLang="en-US" dirty="0"/>
+              <a:t>연습문제</a:t>
+            </a:r>
+          </a:p>
+        </p:txBody>
+      </p:sp>
+      <p:sp>
+        <p:nvSpPr>
+          <p:cNvPr id="4" name="TextBox 3">
+            <a:extLst>
+              <a:ext uri="{FF2B5EF4-FFF2-40B4-BE49-F238E27FC236}">
+                <a16:creationId xmlns:a16="http://schemas.microsoft.com/office/drawing/2014/main" id="{594DAA24-B619-45C6-AAD5-52FCAC4AAC13}"/>
+              </a:ext>
+            </a:extLst>
+          </p:cNvPr>
+          <p:cNvSpPr txBox="1"/>
+          <p:nvPr/>
+        </p:nvSpPr>
+        <p:spPr>
+          <a:xfrm>
+            <a:off x="466049" y="1203468"/>
+            <a:ext cx="7468711" cy="369332"/>
+          </a:xfrm>
+          <a:prstGeom prst="rect">
+            <a:avLst/>
+          </a:prstGeom>
+          <a:noFill/>
+        </p:spPr>
+        <p:txBody>
+          <a:bodyPr wrap="none" rtlCol="0">
+            <a:spAutoFit/>
+          </a:bodyPr>
+          <a:lstStyle/>
+          <a:p>
+            <a:r>
+              <a:rPr lang="en-US" altLang="ko-KR" dirty="0"/>
+              <a:t>ON</a:t>
+            </a:r>
+            <a:r>
+              <a:rPr lang="ko-KR" altLang="en-US" dirty="0"/>
+              <a:t>을</a:t>
+            </a:r>
+            <a:r>
+              <a:rPr lang="en-US" altLang="ko-KR" dirty="0"/>
+              <a:t> </a:t>
+            </a:r>
+            <a:r>
+              <a:rPr lang="ko-KR" altLang="en-US" dirty="0" err="1"/>
+              <a:t>입력받으면</a:t>
+            </a:r>
+            <a:r>
+              <a:rPr lang="ko-KR" altLang="en-US" dirty="0"/>
+              <a:t> </a:t>
+            </a:r>
+            <a:r>
+              <a:rPr lang="en-US" altLang="ko-KR" dirty="0"/>
+              <a:t>LED</a:t>
+            </a:r>
+            <a:r>
+              <a:rPr lang="ko-KR" altLang="en-US" dirty="0"/>
+              <a:t>가 켜지고 </a:t>
+            </a:r>
+            <a:r>
+              <a:rPr lang="en-US" altLang="ko-KR" dirty="0"/>
+              <a:t>OFF</a:t>
+            </a:r>
+            <a:r>
+              <a:rPr lang="ko-KR" altLang="en-US" dirty="0"/>
+              <a:t>를 </a:t>
+            </a:r>
+            <a:r>
+              <a:rPr lang="ko-KR" altLang="en-US" dirty="0" err="1"/>
+              <a:t>입력받으면</a:t>
+            </a:r>
+            <a:r>
+              <a:rPr lang="ko-KR" altLang="en-US" dirty="0"/>
+              <a:t> </a:t>
+            </a:r>
+            <a:r>
+              <a:rPr lang="en-US" altLang="ko-KR" dirty="0"/>
+              <a:t>LED</a:t>
+            </a:r>
+            <a:r>
+              <a:rPr lang="ko-KR" altLang="en-US" dirty="0"/>
+              <a:t>가 꺼지는 장치</a:t>
+            </a:r>
+          </a:p>
+        </p:txBody>
+      </p:sp>
+    </p:spTree>
+    <p:extLst>
+      <p:ext uri="{BB962C8B-B14F-4D97-AF65-F5344CB8AC3E}">
+        <p14:creationId xmlns:p14="http://schemas.microsoft.com/office/powerpoint/2010/main" val="3321815379"/>
+      </p:ext>
+    </p:extLst>
+  </p:cSld>
+  <p:clrMapOvr>
+    <a:masterClrMapping/>
+  </p:clrMapOvr>
+</p:sld>
+</file>
+
+<file path=ppt/slides/slide12.xml><?xml version="1.0" encoding="utf-8"?>
+<p:sld xmlns:a="http://schemas.openxmlformats.org/drawingml/2006/main" xmlns:r="http://schemas.openxmlformats.org/officeDocument/2006/relationships" xmlns:p="http://schemas.openxmlformats.org/presentationml/2006/main">
+  <p:cSld>
+    <p:spTree>
+      <p:nvGrpSpPr>
+        <p:cNvPr id="1" name=""/>
+        <p:cNvGrpSpPr/>
+        <p:nvPr/>
+      </p:nvGrpSpPr>
+      <p:grpSpPr>
+        <a:xfrm>
+          <a:off x="0" y="0"/>
+          <a:ext cx="0" cy="0"/>
+          <a:chOff x="0" y="0"/>
+          <a:chExt cx="0" cy="0"/>
+        </a:xfrm>
+      </p:grpSpPr>
+      <p:sp>
+        <p:nvSpPr>
+          <p:cNvPr id="3" name="텍스트 개체 틀 2">
+            <a:extLst>
+              <a:ext uri="{FF2B5EF4-FFF2-40B4-BE49-F238E27FC236}">
                 <a16:creationId xmlns:a16="http://schemas.microsoft.com/office/drawing/2014/main" id="{701260B4-6CB3-4F2F-B2F9-2A3216405F60}"/>
               </a:ext>
             </a:extLst>
@@ -4794,7 +5293,7 @@
 </p:sld>
 </file>
 
-<file path=ppt/slides/slide11.xml><?xml version="1.0" encoding="utf-8"?>
+<file path=ppt/slides/slide13.xml><?xml version="1.0" encoding="utf-8"?>
 <p:sld xmlns:a="http://schemas.openxmlformats.org/drawingml/2006/main" xmlns:r="http://schemas.openxmlformats.org/officeDocument/2006/relationships" xmlns:p="http://schemas.openxmlformats.org/presentationml/2006/main">
   <p:cSld>
     <p:spTree>
@@ -5441,7 +5940,7 @@
           <p:cNvPr id="3" name="텍스트 개체 틀 2">
             <a:extLst>
               <a:ext uri="{FF2B5EF4-FFF2-40B4-BE49-F238E27FC236}">
-                <a16:creationId xmlns:a16="http://schemas.microsoft.com/office/drawing/2014/main" id="{06E8F131-398B-4E14-8D4A-B480A029E589}"/>
+                <a16:creationId xmlns:a16="http://schemas.microsoft.com/office/drawing/2014/main" id="{518558FE-3773-4BB1-BE9A-E8E3D4248D8B}"/>
               </a:ext>
             </a:extLst>
           </p:cNvPr>
@@ -5458,504 +5957,46 @@
           <a:lstStyle/>
           <a:p>
             <a:r>
-              <a:rPr lang="ko-KR" altLang="en-US" dirty="0" err="1"/>
-              <a:t>아두이노</a:t>
-            </a:r>
-            <a:r>
               <a:rPr lang="ko-KR" altLang="en-US" dirty="0"/>
-              <a:t> 제작</a:t>
-            </a:r>
-          </a:p>
-        </p:txBody>
-      </p:sp>
-      <p:sp>
-        <p:nvSpPr>
-          <p:cNvPr id="7" name="TextBox 6">
-            <a:extLst>
-              <a:ext uri="{FF2B5EF4-FFF2-40B4-BE49-F238E27FC236}">
-                <a16:creationId xmlns:a16="http://schemas.microsoft.com/office/drawing/2014/main" id="{EA66F071-3867-4724-91A5-2A8A8F227CE7}"/>
-              </a:ext>
-            </a:extLst>
-          </p:cNvPr>
-          <p:cNvSpPr txBox="1"/>
+              <a:t>조도센서</a:t>
+            </a:r>
+          </a:p>
+        </p:txBody>
+      </p:sp>
+      <p:pic>
+        <p:nvPicPr>
+          <p:cNvPr id="4" name="그림 3">
+            <a:extLst>
+              <a:ext uri="{FF2B5EF4-FFF2-40B4-BE49-F238E27FC236}">
+                <a16:creationId xmlns:a16="http://schemas.microsoft.com/office/drawing/2014/main" id="{0369D368-84B4-4527-B16D-F7C5BE079625}"/>
+              </a:ext>
+            </a:extLst>
+          </p:cNvPr>
+          <p:cNvPicPr>
+            <a:picLocks noChangeAspect="1"/>
+          </p:cNvPicPr>
           <p:nvPr/>
-        </p:nvSpPr>
+        </p:nvPicPr>
+        <p:blipFill>
+          <a:blip r:embed="rId2"/>
+          <a:stretch>
+            <a:fillRect/>
+          </a:stretch>
+        </p:blipFill>
         <p:spPr>
           <a:xfrm>
-            <a:off x="9407026" y="258544"/>
-            <a:ext cx="2476960" cy="646331"/>
-          </a:xfrm>
-          <a:prstGeom prst="rect">
-            <a:avLst/>
-          </a:prstGeom>
-          <a:noFill/>
-        </p:spPr>
-        <p:txBody>
-          <a:bodyPr wrap="none" rtlCol="0">
-            <a:spAutoFit/>
-          </a:bodyPr>
-          <a:lstStyle/>
-          <a:p>
-            <a:r>
-              <a:rPr lang="ko-KR" altLang="en-US" dirty="0"/>
-              <a:t>소스코드 링크</a:t>
-            </a:r>
-            <a:endParaRPr lang="en-US" altLang="ko-KR" dirty="0"/>
-          </a:p>
-          <a:p>
-            <a:r>
-              <a:rPr lang="en-US" altLang="ko-KR" dirty="0">
-                <a:hlinkClick r:id="rId2"/>
-              </a:rPr>
-              <a:t>https://bit.ly/4bQcK49</a:t>
-            </a:r>
-            <a:endParaRPr lang="ko-KR" altLang="en-US" dirty="0"/>
-          </a:p>
-        </p:txBody>
-      </p:sp>
-      <p:sp>
-        <p:nvSpPr>
-          <p:cNvPr id="10" name="직사각형 9">
-            <a:extLst>
-              <a:ext uri="{FF2B5EF4-FFF2-40B4-BE49-F238E27FC236}">
-                <a16:creationId xmlns:a16="http://schemas.microsoft.com/office/drawing/2014/main" id="{3874362B-4043-4020-915A-020ECD0E8D48}"/>
-              </a:ext>
-            </a:extLst>
-          </p:cNvPr>
-          <p:cNvSpPr/>
-          <p:nvPr/>
-        </p:nvSpPr>
-        <p:spPr>
-          <a:xfrm>
-            <a:off x="359834" y="904875"/>
-            <a:ext cx="6096000" cy="6001643"/>
+            <a:off x="359834" y="1176023"/>
+            <a:ext cx="6601746" cy="4505954"/>
           </a:xfrm>
           <a:prstGeom prst="rect">
             <a:avLst/>
           </a:prstGeom>
         </p:spPr>
-        <p:txBody>
-          <a:bodyPr>
-            <a:spAutoFit/>
-          </a:bodyPr>
-          <a:lstStyle/>
-          <a:p>
-            <a:r>
-              <a:rPr lang="ko-KR" altLang="en-US" sz="1200" dirty="0"/>
-              <a:t>#</a:t>
-            </a:r>
-            <a:r>
-              <a:rPr lang="ko-KR" altLang="en-US" sz="1200" dirty="0" err="1"/>
-              <a:t>include</a:t>
-            </a:r>
-            <a:r>
-              <a:rPr lang="ko-KR" altLang="en-US" sz="1200" dirty="0"/>
-              <a:t> &lt;</a:t>
-            </a:r>
-            <a:r>
-              <a:rPr lang="ko-KR" altLang="en-US" sz="1200" dirty="0" err="1"/>
-              <a:t>DHT.h</a:t>
-            </a:r>
-            <a:r>
-              <a:rPr lang="ko-KR" altLang="en-US" sz="1200" dirty="0"/>
-              <a:t>&gt;</a:t>
-            </a:r>
-          </a:p>
-          <a:p>
-            <a:r>
-              <a:rPr lang="ko-KR" altLang="en-US" sz="1200" dirty="0"/>
-              <a:t>DHT dth11(9,DHT11);</a:t>
-            </a:r>
-          </a:p>
-          <a:p>
-            <a:r>
-              <a:rPr lang="ko-KR" altLang="en-US" sz="1200" dirty="0" err="1"/>
-              <a:t>char</a:t>
-            </a:r>
-            <a:r>
-              <a:rPr lang="ko-KR" altLang="en-US" sz="1200" dirty="0"/>
-              <a:t> </a:t>
-            </a:r>
-            <a:r>
-              <a:rPr lang="ko-KR" altLang="en-US" sz="1200" dirty="0" err="1"/>
-              <a:t>cmd</a:t>
-            </a:r>
-            <a:r>
-              <a:rPr lang="ko-KR" altLang="en-US" sz="1200" dirty="0"/>
-              <a:t>;</a:t>
-            </a:r>
-          </a:p>
-          <a:p>
-            <a:endParaRPr lang="ko-KR" altLang="en-US" sz="1200" dirty="0"/>
-          </a:p>
-          <a:p>
-            <a:r>
-              <a:rPr lang="ko-KR" altLang="en-US" sz="1200" dirty="0" err="1"/>
-              <a:t>void</a:t>
-            </a:r>
-            <a:r>
-              <a:rPr lang="ko-KR" altLang="en-US" sz="1200" dirty="0"/>
-              <a:t> </a:t>
-            </a:r>
-            <a:r>
-              <a:rPr lang="ko-KR" altLang="en-US" sz="1200" dirty="0" err="1"/>
-              <a:t>setup</a:t>
-            </a:r>
-            <a:r>
-              <a:rPr lang="ko-KR" altLang="en-US" sz="1200" dirty="0"/>
-              <a:t>()</a:t>
-            </a:r>
-          </a:p>
-          <a:p>
-            <a:r>
-              <a:rPr lang="ko-KR" altLang="en-US" sz="1200" dirty="0"/>
-              <a:t>{</a:t>
-            </a:r>
-          </a:p>
-          <a:p>
-            <a:r>
-              <a:rPr lang="ko-KR" altLang="en-US" sz="1200" dirty="0"/>
-              <a:t>  </a:t>
-            </a:r>
-            <a:r>
-              <a:rPr lang="ko-KR" altLang="en-US" sz="1200" dirty="0" err="1"/>
-              <a:t>Serial.begin</a:t>
-            </a:r>
-            <a:r>
-              <a:rPr lang="ko-KR" altLang="en-US" sz="1200" dirty="0"/>
-              <a:t>(9600);</a:t>
-            </a:r>
-          </a:p>
-          <a:p>
-            <a:r>
-              <a:rPr lang="ko-KR" altLang="en-US" sz="1200" dirty="0"/>
-              <a:t>  dth11.begin();</a:t>
-            </a:r>
-          </a:p>
-          <a:p>
-            <a:r>
-              <a:rPr lang="ko-KR" altLang="en-US" sz="1200" dirty="0"/>
-              <a:t>}</a:t>
-            </a:r>
-          </a:p>
-          <a:p>
-            <a:endParaRPr lang="ko-KR" altLang="en-US" sz="1200" dirty="0"/>
-          </a:p>
-          <a:p>
-            <a:r>
-              <a:rPr lang="ko-KR" altLang="en-US" sz="1200" dirty="0" err="1"/>
-              <a:t>void</a:t>
-            </a:r>
-            <a:r>
-              <a:rPr lang="ko-KR" altLang="en-US" sz="1200" dirty="0"/>
-              <a:t> </a:t>
-            </a:r>
-            <a:r>
-              <a:rPr lang="ko-KR" altLang="en-US" sz="1200" dirty="0" err="1"/>
-              <a:t>loop</a:t>
-            </a:r>
-            <a:r>
-              <a:rPr lang="ko-KR" altLang="en-US" sz="1200" dirty="0"/>
-              <a:t>()</a:t>
-            </a:r>
-          </a:p>
-          <a:p>
-            <a:r>
-              <a:rPr lang="ko-KR" altLang="en-US" sz="1200" dirty="0"/>
-              <a:t>{</a:t>
-            </a:r>
-          </a:p>
-          <a:p>
-            <a:r>
-              <a:rPr lang="ko-KR" altLang="en-US" sz="1200" dirty="0"/>
-              <a:t>  </a:t>
-            </a:r>
-            <a:r>
-              <a:rPr lang="ko-KR" altLang="en-US" sz="1200" dirty="0" err="1"/>
-              <a:t>float</a:t>
-            </a:r>
-            <a:r>
-              <a:rPr lang="ko-KR" altLang="en-US" sz="1200" dirty="0"/>
-              <a:t> </a:t>
-            </a:r>
-            <a:r>
-              <a:rPr lang="ko-KR" altLang="en-US" sz="1200" dirty="0" err="1"/>
-              <a:t>t</a:t>
-            </a:r>
-            <a:r>
-              <a:rPr lang="ko-KR" altLang="en-US" sz="1200" dirty="0"/>
-              <a:t>=dth11.readTemperature();</a:t>
-            </a:r>
-          </a:p>
-          <a:p>
-            <a:r>
-              <a:rPr lang="ko-KR" altLang="en-US" sz="1200" dirty="0"/>
-              <a:t>  </a:t>
-            </a:r>
-            <a:r>
-              <a:rPr lang="ko-KR" altLang="en-US" sz="1200" dirty="0" err="1"/>
-              <a:t>if</a:t>
-            </a:r>
-            <a:r>
-              <a:rPr lang="ko-KR" altLang="en-US" sz="1200" dirty="0"/>
-              <a:t>(</a:t>
-            </a:r>
-            <a:r>
-              <a:rPr lang="ko-KR" altLang="en-US" sz="1200" dirty="0" err="1"/>
-              <a:t>Serial.available</a:t>
-            </a:r>
-            <a:r>
-              <a:rPr lang="ko-KR" altLang="en-US" sz="1200" dirty="0"/>
-              <a:t>())</a:t>
-            </a:r>
-          </a:p>
-          <a:p>
-            <a:r>
-              <a:rPr lang="ko-KR" altLang="en-US" sz="1200" dirty="0"/>
-              <a:t>  {</a:t>
-            </a:r>
-          </a:p>
-          <a:p>
-            <a:r>
-              <a:rPr lang="ko-KR" altLang="en-US" sz="1200" dirty="0"/>
-              <a:t>    </a:t>
-            </a:r>
-            <a:r>
-              <a:rPr lang="ko-KR" altLang="en-US" sz="1200" dirty="0" err="1"/>
-              <a:t>cmd</a:t>
-            </a:r>
-            <a:r>
-              <a:rPr lang="ko-KR" altLang="en-US" sz="1200" dirty="0"/>
-              <a:t>=</a:t>
-            </a:r>
-            <a:r>
-              <a:rPr lang="ko-KR" altLang="en-US" sz="1200" dirty="0" err="1"/>
-              <a:t>Serial.read</a:t>
-            </a:r>
-            <a:r>
-              <a:rPr lang="ko-KR" altLang="en-US" sz="1200" dirty="0"/>
-              <a:t>();</a:t>
-            </a:r>
-          </a:p>
-          <a:p>
-            <a:r>
-              <a:rPr lang="ko-KR" altLang="en-US" sz="1200" dirty="0"/>
-              <a:t>    </a:t>
-            </a:r>
-            <a:r>
-              <a:rPr lang="ko-KR" altLang="en-US" sz="1200" dirty="0" err="1"/>
-              <a:t>if</a:t>
-            </a:r>
-            <a:r>
-              <a:rPr lang="ko-KR" altLang="en-US" sz="1200" dirty="0"/>
-              <a:t>(</a:t>
-            </a:r>
-            <a:r>
-              <a:rPr lang="ko-KR" altLang="en-US" sz="1200" dirty="0" err="1"/>
-              <a:t>cmd</a:t>
-            </a:r>
-            <a:r>
-              <a:rPr lang="ko-KR" altLang="en-US" sz="1200" dirty="0"/>
-              <a:t>=='\</a:t>
-            </a:r>
-            <a:r>
-              <a:rPr lang="ko-KR" altLang="en-US" sz="1200" dirty="0" err="1"/>
-              <a:t>n</a:t>
-            </a:r>
-            <a:r>
-              <a:rPr lang="ko-KR" altLang="en-US" sz="1200" dirty="0"/>
-              <a:t>')</a:t>
-            </a:r>
-          </a:p>
-          <a:p>
-            <a:r>
-              <a:rPr lang="ko-KR" altLang="en-US" sz="1200" dirty="0"/>
-              <a:t>    {</a:t>
-            </a:r>
-          </a:p>
-          <a:p>
-            <a:r>
-              <a:rPr lang="ko-KR" altLang="en-US" sz="1200" dirty="0"/>
-              <a:t>      </a:t>
-            </a:r>
-          </a:p>
-          <a:p>
-            <a:r>
-              <a:rPr lang="ko-KR" altLang="en-US" sz="1200" dirty="0"/>
-              <a:t>    }</a:t>
-            </a:r>
-          </a:p>
-          <a:p>
-            <a:r>
-              <a:rPr lang="ko-KR" altLang="en-US" sz="1200" dirty="0"/>
-              <a:t>    </a:t>
-            </a:r>
-            <a:r>
-              <a:rPr lang="ko-KR" altLang="en-US" sz="1200" dirty="0" err="1"/>
-              <a:t>else</a:t>
-            </a:r>
-            <a:r>
-              <a:rPr lang="ko-KR" altLang="en-US" sz="1200" dirty="0"/>
-              <a:t> </a:t>
-            </a:r>
-            <a:r>
-              <a:rPr lang="ko-KR" altLang="en-US" sz="1200" dirty="0" err="1"/>
-              <a:t>if</a:t>
-            </a:r>
-            <a:r>
-              <a:rPr lang="ko-KR" altLang="en-US" sz="1200" dirty="0"/>
-              <a:t>(</a:t>
-            </a:r>
-            <a:r>
-              <a:rPr lang="ko-KR" altLang="en-US" sz="1200" dirty="0" err="1"/>
-              <a:t>cmd</a:t>
-            </a:r>
-            <a:r>
-              <a:rPr lang="ko-KR" altLang="en-US" sz="1200" dirty="0"/>
-              <a:t>=='</a:t>
-            </a:r>
-            <a:r>
-              <a:rPr lang="ko-KR" altLang="en-US" sz="1200" dirty="0" err="1"/>
-              <a:t>T</a:t>
-            </a:r>
-            <a:r>
-              <a:rPr lang="ko-KR" altLang="en-US" sz="1200" dirty="0"/>
-              <a:t>')</a:t>
-            </a:r>
-          </a:p>
-          <a:p>
-            <a:r>
-              <a:rPr lang="ko-KR" altLang="en-US" sz="1200" dirty="0"/>
-              <a:t>    {</a:t>
-            </a:r>
-          </a:p>
-          <a:p>
-            <a:r>
-              <a:rPr lang="ko-KR" altLang="en-US" sz="1200" dirty="0"/>
-              <a:t>      </a:t>
-            </a:r>
-            <a:r>
-              <a:rPr lang="ko-KR" altLang="en-US" sz="1200" dirty="0" err="1"/>
-              <a:t>Serial.println</a:t>
-            </a:r>
-            <a:r>
-              <a:rPr lang="ko-KR" altLang="en-US" sz="1200" dirty="0"/>
-              <a:t>(</a:t>
-            </a:r>
-            <a:r>
-              <a:rPr lang="ko-KR" altLang="en-US" sz="1200" dirty="0" err="1"/>
-              <a:t>t</a:t>
-            </a:r>
-            <a:r>
-              <a:rPr lang="ko-KR" altLang="en-US" sz="1200" dirty="0"/>
-              <a:t>);</a:t>
-            </a:r>
-          </a:p>
-          <a:p>
-            <a:r>
-              <a:rPr lang="ko-KR" altLang="en-US" sz="1200" dirty="0"/>
-              <a:t>      </a:t>
-            </a:r>
-            <a:r>
-              <a:rPr lang="ko-KR" altLang="en-US" sz="1200" dirty="0" err="1"/>
-              <a:t>delay</a:t>
-            </a:r>
-            <a:r>
-              <a:rPr lang="ko-KR" altLang="en-US" sz="1200" dirty="0"/>
-              <a:t>(100);</a:t>
-            </a:r>
-          </a:p>
-          <a:p>
-            <a:r>
-              <a:rPr lang="ko-KR" altLang="en-US" sz="1200" dirty="0"/>
-              <a:t>    }</a:t>
-            </a:r>
-          </a:p>
-          <a:p>
-            <a:r>
-              <a:rPr lang="ko-KR" altLang="en-US" sz="1200" dirty="0"/>
-              <a:t>    </a:t>
-            </a:r>
-            <a:r>
-              <a:rPr lang="ko-KR" altLang="en-US" sz="1200" dirty="0" err="1"/>
-              <a:t>else</a:t>
-            </a:r>
-            <a:endParaRPr lang="ko-KR" altLang="en-US" sz="1200" dirty="0"/>
-          </a:p>
-          <a:p>
-            <a:r>
-              <a:rPr lang="ko-KR" altLang="en-US" sz="1200" dirty="0"/>
-              <a:t>    {</a:t>
-            </a:r>
-          </a:p>
-          <a:p>
-            <a:r>
-              <a:rPr lang="ko-KR" altLang="en-US" sz="1200" dirty="0"/>
-              <a:t>      </a:t>
-            </a:r>
-            <a:r>
-              <a:rPr lang="ko-KR" altLang="en-US" sz="1200" dirty="0" err="1"/>
-              <a:t>Serial.println</a:t>
-            </a:r>
-            <a:r>
-              <a:rPr lang="ko-KR" altLang="en-US" sz="1200" dirty="0"/>
-              <a:t>("</a:t>
-            </a:r>
-            <a:r>
-              <a:rPr lang="ko-KR" altLang="en-US" sz="1200" dirty="0" err="1"/>
-              <a:t>not</a:t>
-            </a:r>
-            <a:r>
-              <a:rPr lang="ko-KR" altLang="en-US" sz="1200" dirty="0"/>
-              <a:t> </a:t>
-            </a:r>
-            <a:r>
-              <a:rPr lang="ko-KR" altLang="en-US" sz="1200" dirty="0" err="1"/>
-              <a:t>menu</a:t>
-            </a:r>
-            <a:r>
-              <a:rPr lang="ko-KR" altLang="en-US" sz="1200" dirty="0"/>
-              <a:t>");</a:t>
-            </a:r>
-          </a:p>
-          <a:p>
-            <a:r>
-              <a:rPr lang="ko-KR" altLang="en-US" sz="1200" dirty="0"/>
-              <a:t>      </a:t>
-            </a:r>
-            <a:r>
-              <a:rPr lang="ko-KR" altLang="en-US" sz="1200" dirty="0" err="1"/>
-              <a:t>delay</a:t>
-            </a:r>
-            <a:r>
-              <a:rPr lang="ko-KR" altLang="en-US" sz="1200" dirty="0"/>
-              <a:t>(100);</a:t>
-            </a:r>
-          </a:p>
-          <a:p>
-            <a:r>
-              <a:rPr lang="ko-KR" altLang="en-US" sz="1200" dirty="0"/>
-              <a:t>    }</a:t>
-            </a:r>
-          </a:p>
-          <a:p>
-            <a:r>
-              <a:rPr lang="ko-KR" altLang="en-US" sz="1200" dirty="0"/>
-              <a:t>  }</a:t>
-            </a:r>
-          </a:p>
-          <a:p>
-            <a:r>
-              <a:rPr lang="ko-KR" altLang="en-US" sz="1200" dirty="0"/>
-              <a:t>}</a:t>
-            </a:r>
-          </a:p>
-        </p:txBody>
-      </p:sp>
+      </p:pic>
     </p:spTree>
     <p:extLst>
       <p:ext uri="{BB962C8B-B14F-4D97-AF65-F5344CB8AC3E}">
-        <p14:creationId xmlns:p14="http://schemas.microsoft.com/office/powerpoint/2010/main" val="1209965650"/>
+        <p14:creationId xmlns:p14="http://schemas.microsoft.com/office/powerpoint/2010/main" val="3613314233"/>
       </p:ext>
     </p:extLst>
   </p:cSld>
@@ -5987,7 +6028,7 @@
           <p:cNvPr id="3" name="텍스트 개체 틀 2">
             <a:extLst>
               <a:ext uri="{FF2B5EF4-FFF2-40B4-BE49-F238E27FC236}">
-                <a16:creationId xmlns:a16="http://schemas.microsoft.com/office/drawing/2014/main" id="{378045FA-B689-484B-9579-9536660C54E7}"/>
+                <a16:creationId xmlns:a16="http://schemas.microsoft.com/office/drawing/2014/main" id="{E73AA0DD-AA12-410D-8388-718F97B68B72}"/>
               </a:ext>
             </a:extLst>
           </p:cNvPr>
@@ -6005,7 +6046,7 @@
           <a:p>
             <a:r>
               <a:rPr lang="ko-KR" altLang="en-US" dirty="0" err="1"/>
-              <a:t>파이썬</a:t>
+              <a:t>아두이노</a:t>
             </a:r>
             <a:r>
               <a:rPr lang="ko-KR" altLang="en-US" dirty="0"/>
@@ -6019,7 +6060,7 @@
           <p:cNvPr id="5" name="TextBox 4">
             <a:extLst>
               <a:ext uri="{FF2B5EF4-FFF2-40B4-BE49-F238E27FC236}">
-                <a16:creationId xmlns:a16="http://schemas.microsoft.com/office/drawing/2014/main" id="{28561716-A8EF-4691-AF13-F34AA68FA5B2}"/>
+                <a16:creationId xmlns:a16="http://schemas.microsoft.com/office/drawing/2014/main" id="{1E6E7797-38E5-409D-A3C7-32AF2754606A}"/>
               </a:ext>
             </a:extLst>
           </p:cNvPr>
@@ -6028,8 +6069,8 @@
         </p:nvSpPr>
         <p:spPr>
           <a:xfrm>
-            <a:off x="9407026" y="258544"/>
-            <a:ext cx="2476960" cy="646331"/>
+            <a:off x="448350" y="1404047"/>
+            <a:ext cx="3021405" cy="2862322"/>
           </a:xfrm>
           <a:prstGeom prst="rect">
             <a:avLst/>
@@ -6043,770 +6084,92 @@
           <a:lstStyle/>
           <a:p>
             <a:r>
-              <a:rPr lang="ko-KR" altLang="en-US" dirty="0"/>
-              <a:t>소스코드 링크</a:t>
-            </a:r>
+              <a:rPr lang="en-US" altLang="ko-KR" dirty="0"/>
+              <a:t>void setup()</a:t>
+            </a:r>
+          </a:p>
+          <a:p>
+            <a:r>
+              <a:rPr lang="en-US" altLang="ko-KR" dirty="0"/>
+              <a:t>{</a:t>
+            </a:r>
+          </a:p>
+          <a:p>
+            <a:r>
+              <a:rPr lang="en-US" altLang="ko-KR" dirty="0"/>
+              <a:t>  </a:t>
+            </a:r>
+            <a:r>
+              <a:rPr lang="en-US" altLang="ko-KR" dirty="0" err="1"/>
+              <a:t>Serial.begin</a:t>
+            </a:r>
+            <a:r>
+              <a:rPr lang="en-US" altLang="ko-KR" dirty="0"/>
+              <a:t>(9600);</a:t>
+            </a:r>
+          </a:p>
+          <a:p>
+            <a:r>
+              <a:rPr lang="en-US" altLang="ko-KR" dirty="0"/>
+              <a:t>}</a:t>
+            </a:r>
+          </a:p>
+          <a:p>
             <a:endParaRPr lang="en-US" altLang="ko-KR" dirty="0"/>
           </a:p>
           <a:p>
             <a:r>
-              <a:rPr lang="en-US" altLang="ko-KR" dirty="0">
-                <a:hlinkClick r:id="rId2"/>
-              </a:rPr>
-              <a:t>https://bit.ly/4bQcK49</a:t>
+              <a:rPr lang="en-US" altLang="ko-KR" dirty="0"/>
+              <a:t>void loop()</a:t>
+            </a:r>
+          </a:p>
+          <a:p>
+            <a:r>
+              <a:rPr lang="en-US" altLang="ko-KR" dirty="0"/>
+              <a:t>{</a:t>
+            </a:r>
+          </a:p>
+          <a:p>
+            <a:r>
+              <a:rPr lang="en-US" altLang="ko-KR" dirty="0"/>
+              <a:t>  int light=</a:t>
+            </a:r>
+            <a:r>
+              <a:rPr lang="en-US" altLang="ko-KR" dirty="0" err="1"/>
+              <a:t>analogRead</a:t>
+            </a:r>
+            <a:r>
+              <a:rPr lang="en-US" altLang="ko-KR" dirty="0"/>
+              <a:t>(A0);</a:t>
+            </a:r>
+          </a:p>
+          <a:p>
+            <a:r>
+              <a:rPr lang="en-US" altLang="ko-KR" dirty="0"/>
+              <a:t>  </a:t>
+            </a:r>
+            <a:r>
+              <a:rPr lang="en-US" altLang="ko-KR" dirty="0" err="1"/>
+              <a:t>Serial.println</a:t>
+            </a:r>
+            <a:r>
+              <a:rPr lang="en-US" altLang="ko-KR" dirty="0"/>
+              <a:t>(light);</a:t>
+            </a:r>
+          </a:p>
+          <a:p>
+            <a:r>
+              <a:rPr lang="en-US" altLang="ko-KR" dirty="0"/>
+              <a:t>}</a:t>
             </a:r>
             <a:endParaRPr lang="ko-KR" altLang="en-US" dirty="0"/>
-          </a:p>
-        </p:txBody>
-      </p:sp>
-      <p:sp>
-        <p:nvSpPr>
-          <p:cNvPr id="8" name="Rectangle 3">
-            <a:extLst>
-              <a:ext uri="{FF2B5EF4-FFF2-40B4-BE49-F238E27FC236}">
-                <a16:creationId xmlns:a16="http://schemas.microsoft.com/office/drawing/2014/main" id="{D9CA25A3-3D07-4A74-9849-C5C2A239584C}"/>
-              </a:ext>
-            </a:extLst>
-          </p:cNvPr>
-          <p:cNvSpPr>
-            <a:spLocks noChangeArrowheads="1"/>
-          </p:cNvSpPr>
-          <p:nvPr/>
-        </p:nvSpPr>
-        <p:spPr bwMode="auto">
-          <a:xfrm>
-            <a:off x="359834" y="1618303"/>
-            <a:ext cx="6706319" cy="3170099"/>
-          </a:xfrm>
-          <a:prstGeom prst="rect">
-            <a:avLst/>
-          </a:prstGeom>
-          <a:noFill/>
-          <a:ln w="9525">
-            <a:noFill/>
-            <a:miter lim="800000"/>
-            <a:headEnd/>
-            <a:tailEnd/>
-          </a:ln>
-          <a:effectLst/>
-        </p:spPr>
-        <p:txBody>
-          <a:bodyPr vert="horz" wrap="square" lIns="91440" tIns="45720" rIns="91440" bIns="45720" numCol="1" anchor="ctr" anchorCtr="0" compatLnSpc="1">
-            <a:prstTxWarp prst="textNoShape">
-              <a:avLst/>
-            </a:prstTxWarp>
-            <a:spAutoFit/>
-          </a:bodyPr>
-          <a:lstStyle/>
-          <a:p>
-            <a:pPr marL="0" marR="0" lvl="0" indent="0" algn="l" defTabSz="914400" rtl="0" eaLnBrk="0" fontAlgn="base" latinLnBrk="0" hangingPunct="0">
-              <a:lnSpc>
-                <a:spcPct val="100000"/>
-              </a:lnSpc>
-              <a:spcBef>
-                <a:spcPct val="0"/>
-              </a:spcBef>
-              <a:spcAft>
-                <a:spcPct val="0"/>
-              </a:spcAft>
-              <a:buClrTx/>
-              <a:buSzTx/>
-              <a:buFontTx/>
-              <a:buNone/>
-              <a:tabLst/>
-            </a:pPr>
-            <a:r>
-              <a:rPr kumimoji="0" lang="ko-KR" altLang="ko-KR" sz="1600" b="0" i="0" u="none" strike="noStrike" cap="none" normalizeH="0" baseline="0" dirty="0" err="1">
-                <a:ln>
-                  <a:noFill/>
-                </a:ln>
-                <a:effectLst/>
-                <a:latin typeface="Arial Unicode MS"/>
-                <a:ea typeface="JetBrains Mono"/>
-              </a:rPr>
-              <a:t>import</a:t>
-            </a:r>
-            <a:r>
-              <a:rPr kumimoji="0" lang="ko-KR" altLang="ko-KR" sz="1600" b="0" i="0" u="none" strike="noStrike" cap="none" normalizeH="0" baseline="0" dirty="0">
-                <a:ln>
-                  <a:noFill/>
-                </a:ln>
-                <a:effectLst/>
-                <a:latin typeface="Arial Unicode MS"/>
-                <a:ea typeface="JetBrains Mono"/>
-              </a:rPr>
-              <a:t> </a:t>
-            </a:r>
-            <a:r>
-              <a:rPr kumimoji="0" lang="ko-KR" altLang="ko-KR" sz="1600" b="0" i="0" u="none" strike="noStrike" cap="none" normalizeH="0" baseline="0" dirty="0" err="1">
-                <a:ln>
-                  <a:noFill/>
-                </a:ln>
-                <a:effectLst/>
-                <a:latin typeface="Arial Unicode MS"/>
-                <a:ea typeface="JetBrains Mono"/>
-              </a:rPr>
-              <a:t>serial</a:t>
-            </a:r>
-            <a:br>
-              <a:rPr kumimoji="0" lang="ko-KR" altLang="ko-KR" sz="1600" b="0" i="0" u="none" strike="noStrike" cap="none" normalizeH="0" baseline="0" dirty="0">
-                <a:ln>
-                  <a:noFill/>
-                </a:ln>
-                <a:effectLst/>
-                <a:latin typeface="Arial Unicode MS"/>
-                <a:ea typeface="JetBrains Mono"/>
-              </a:rPr>
-            </a:br>
-            <a:r>
-              <a:rPr kumimoji="0" lang="ko-KR" altLang="ko-KR" sz="1600" b="0" i="0" u="none" strike="noStrike" cap="none" normalizeH="0" baseline="0" dirty="0" err="1">
-                <a:ln>
-                  <a:noFill/>
-                </a:ln>
-                <a:effectLst/>
-                <a:latin typeface="Arial Unicode MS"/>
-                <a:ea typeface="JetBrains Mono"/>
-              </a:rPr>
-              <a:t>import</a:t>
-            </a:r>
-            <a:r>
-              <a:rPr kumimoji="0" lang="ko-KR" altLang="ko-KR" sz="1600" b="0" i="0" u="none" strike="noStrike" cap="none" normalizeH="0" baseline="0" dirty="0">
-                <a:ln>
-                  <a:noFill/>
-                </a:ln>
-                <a:effectLst/>
-                <a:latin typeface="Arial Unicode MS"/>
-                <a:ea typeface="JetBrains Mono"/>
-              </a:rPr>
-              <a:t> </a:t>
-            </a:r>
-            <a:r>
-              <a:rPr kumimoji="0" lang="ko-KR" altLang="ko-KR" sz="1600" b="0" i="0" u="none" strike="noStrike" cap="none" normalizeH="0" baseline="0" dirty="0" err="1">
-                <a:ln>
-                  <a:noFill/>
-                </a:ln>
-                <a:effectLst/>
-                <a:latin typeface="Arial Unicode MS"/>
-                <a:ea typeface="JetBrains Mono"/>
-              </a:rPr>
-              <a:t>time</a:t>
-            </a:r>
-            <a:br>
-              <a:rPr kumimoji="0" lang="ko-KR" altLang="ko-KR" sz="1600" b="0" i="0" u="none" strike="noStrike" cap="none" normalizeH="0" baseline="0" dirty="0">
-                <a:ln>
-                  <a:noFill/>
-                </a:ln>
-                <a:effectLst/>
-                <a:latin typeface="Arial Unicode MS"/>
-                <a:ea typeface="JetBrains Mono"/>
-              </a:rPr>
-            </a:br>
-            <a:r>
-              <a:rPr kumimoji="0" lang="ko-KR" altLang="ko-KR" sz="1600" b="0" i="0" u="none" strike="noStrike" cap="none" normalizeH="0" baseline="0" dirty="0" err="1">
-                <a:ln>
-                  <a:noFill/>
-                </a:ln>
-                <a:effectLst/>
-                <a:latin typeface="Arial Unicode MS"/>
-                <a:ea typeface="JetBrains Mono"/>
-              </a:rPr>
-              <a:t>py_serial</a:t>
-            </a:r>
-            <a:r>
-              <a:rPr kumimoji="0" lang="ko-KR" altLang="ko-KR" sz="1600" b="0" i="0" u="none" strike="noStrike" cap="none" normalizeH="0" baseline="0" dirty="0">
-                <a:ln>
-                  <a:noFill/>
-                </a:ln>
-                <a:effectLst/>
-                <a:latin typeface="Arial Unicode MS"/>
-                <a:ea typeface="JetBrains Mono"/>
-              </a:rPr>
-              <a:t>=</a:t>
-            </a:r>
-            <a:r>
-              <a:rPr kumimoji="0" lang="ko-KR" altLang="ko-KR" sz="1600" b="0" i="0" u="none" strike="noStrike" cap="none" normalizeH="0" baseline="0" dirty="0" err="1">
-                <a:ln>
-                  <a:noFill/>
-                </a:ln>
-                <a:effectLst/>
-                <a:latin typeface="Arial Unicode MS"/>
-                <a:ea typeface="JetBrains Mono"/>
-              </a:rPr>
-              <a:t>serial.Serial</a:t>
-            </a:r>
-            <a:r>
-              <a:rPr kumimoji="0" lang="ko-KR" altLang="ko-KR" sz="1600" b="0" i="0" u="none" strike="noStrike" cap="none" normalizeH="0" baseline="0" dirty="0">
-                <a:ln>
-                  <a:noFill/>
-                </a:ln>
-                <a:effectLst/>
-                <a:latin typeface="Arial Unicode MS"/>
-                <a:ea typeface="JetBrains Mono"/>
-              </a:rPr>
-              <a:t>(</a:t>
-            </a:r>
-            <a:r>
-              <a:rPr kumimoji="0" lang="ko-KR" altLang="ko-KR" sz="1600" b="0" i="0" u="none" strike="noStrike" cap="none" normalizeH="0" baseline="0" dirty="0" err="1">
-                <a:ln>
-                  <a:noFill/>
-                </a:ln>
-                <a:effectLst/>
-                <a:latin typeface="Arial Unicode MS"/>
-                <a:ea typeface="JetBrains Mono"/>
-              </a:rPr>
-              <a:t>port</a:t>
-            </a:r>
-            <a:r>
-              <a:rPr kumimoji="0" lang="ko-KR" altLang="ko-KR" sz="1600" b="0" i="0" u="none" strike="noStrike" cap="none" normalizeH="0" baseline="0" dirty="0">
-                <a:ln>
-                  <a:noFill/>
-                </a:ln>
-                <a:effectLst/>
-                <a:latin typeface="Arial Unicode MS"/>
-                <a:ea typeface="JetBrains Mono"/>
-              </a:rPr>
-              <a:t>='COM8',baudrate=9600)</a:t>
-            </a:r>
-            <a:br>
-              <a:rPr kumimoji="0" lang="ko-KR" altLang="ko-KR" sz="1600" b="0" i="0" u="none" strike="noStrike" cap="none" normalizeH="0" baseline="0" dirty="0">
-                <a:ln>
-                  <a:noFill/>
-                </a:ln>
-                <a:effectLst/>
-                <a:latin typeface="Arial Unicode MS"/>
-                <a:ea typeface="JetBrains Mono"/>
-              </a:rPr>
-            </a:br>
-            <a:r>
-              <a:rPr kumimoji="0" lang="ko-KR" altLang="ko-KR" sz="1600" b="0" i="0" u="none" strike="noStrike" cap="none" normalizeH="0" baseline="0" dirty="0" err="1">
-                <a:ln>
-                  <a:noFill/>
-                </a:ln>
-                <a:effectLst/>
-                <a:latin typeface="Arial Unicode MS"/>
-                <a:ea typeface="JetBrains Mono"/>
-              </a:rPr>
-              <a:t>while</a:t>
-            </a:r>
-            <a:r>
-              <a:rPr kumimoji="0" lang="ko-KR" altLang="ko-KR" sz="1600" b="0" i="0" u="none" strike="noStrike" cap="none" normalizeH="0" baseline="0" dirty="0">
-                <a:ln>
-                  <a:noFill/>
-                </a:ln>
-                <a:effectLst/>
-                <a:latin typeface="Arial Unicode MS"/>
-                <a:ea typeface="JetBrains Mono"/>
-              </a:rPr>
-              <a:t> </a:t>
-            </a:r>
-            <a:r>
-              <a:rPr kumimoji="0" lang="ko-KR" altLang="ko-KR" sz="1600" b="0" i="0" u="none" strike="noStrike" cap="none" normalizeH="0" baseline="0" dirty="0" err="1">
-                <a:ln>
-                  <a:noFill/>
-                </a:ln>
-                <a:effectLst/>
-                <a:latin typeface="Arial Unicode MS"/>
-                <a:ea typeface="JetBrains Mono"/>
-              </a:rPr>
-              <a:t>True</a:t>
-            </a:r>
-            <a:r>
-              <a:rPr kumimoji="0" lang="ko-KR" altLang="ko-KR" sz="1600" b="0" i="0" u="none" strike="noStrike" cap="none" normalizeH="0" baseline="0" dirty="0">
-                <a:ln>
-                  <a:noFill/>
-                </a:ln>
-                <a:effectLst/>
-                <a:latin typeface="Arial Unicode MS"/>
-                <a:ea typeface="JetBrains Mono"/>
-              </a:rPr>
-              <a:t>:</a:t>
-            </a:r>
-            <a:br>
-              <a:rPr kumimoji="0" lang="ko-KR" altLang="ko-KR" sz="1600" b="0" i="0" u="none" strike="noStrike" cap="none" normalizeH="0" baseline="0" dirty="0">
-                <a:ln>
-                  <a:noFill/>
-                </a:ln>
-                <a:effectLst/>
-                <a:latin typeface="Arial Unicode MS"/>
-                <a:ea typeface="JetBrains Mono"/>
-              </a:rPr>
-            </a:br>
-            <a:r>
-              <a:rPr kumimoji="0" lang="ko-KR" altLang="ko-KR" sz="1600" b="0" i="0" u="none" strike="noStrike" cap="none" normalizeH="0" baseline="0" dirty="0">
-                <a:ln>
-                  <a:noFill/>
-                </a:ln>
-                <a:effectLst/>
-                <a:latin typeface="Arial Unicode MS"/>
-                <a:ea typeface="JetBrains Mono"/>
-              </a:rPr>
-              <a:t>    </a:t>
-            </a:r>
-            <a:r>
-              <a:rPr kumimoji="0" lang="ko-KR" altLang="ko-KR" sz="1600" b="0" i="0" u="none" strike="noStrike" cap="none" normalizeH="0" baseline="0" dirty="0" err="1">
-                <a:ln>
-                  <a:noFill/>
-                </a:ln>
-                <a:effectLst/>
-                <a:latin typeface="Arial Unicode MS"/>
-                <a:ea typeface="JetBrains Mono"/>
-              </a:rPr>
-              <a:t>commend</a:t>
-            </a:r>
-            <a:r>
-              <a:rPr kumimoji="0" lang="ko-KR" altLang="ko-KR" sz="1600" b="0" i="0" u="none" strike="noStrike" cap="none" normalizeH="0" baseline="0" dirty="0">
-                <a:ln>
-                  <a:noFill/>
-                </a:ln>
-                <a:effectLst/>
-                <a:latin typeface="Arial Unicode MS"/>
-                <a:ea typeface="JetBrains Mono"/>
-              </a:rPr>
-              <a:t>=</a:t>
-            </a:r>
-            <a:r>
-              <a:rPr kumimoji="0" lang="ko-KR" altLang="ko-KR" sz="1600" b="0" i="0" u="none" strike="noStrike" cap="none" normalizeH="0" baseline="0" dirty="0" err="1">
-                <a:ln>
-                  <a:noFill/>
-                </a:ln>
-                <a:effectLst/>
-                <a:latin typeface="Arial Unicode MS"/>
-                <a:ea typeface="JetBrains Mono"/>
-              </a:rPr>
-              <a:t>input</a:t>
-            </a:r>
-            <a:r>
-              <a:rPr kumimoji="0" lang="ko-KR" altLang="ko-KR" sz="1600" b="0" i="0" u="none" strike="noStrike" cap="none" normalizeH="0" baseline="0" dirty="0">
-                <a:ln>
-                  <a:noFill/>
-                </a:ln>
-                <a:effectLst/>
-                <a:latin typeface="Arial Unicode MS"/>
-                <a:ea typeface="JetBrains Mono"/>
-              </a:rPr>
-              <a:t>('</a:t>
-            </a:r>
-            <a:r>
-              <a:rPr kumimoji="0" lang="ko-KR" altLang="ko-KR" sz="1600" b="0" i="0" u="none" strike="noStrike" cap="none" normalizeH="0" baseline="0" dirty="0">
-                <a:ln>
-                  <a:noFill/>
-                </a:ln>
-                <a:effectLst/>
-                <a:latin typeface="맑은 고딕" panose="020B0503020000020004" pitchFamily="50" charset="-127"/>
-                <a:ea typeface="맑은 고딕" panose="020B0503020000020004" pitchFamily="50" charset="-127"/>
-              </a:rPr>
-              <a:t>내릴 명령</a:t>
-            </a:r>
-            <a:r>
-              <a:rPr kumimoji="0" lang="ko-KR" altLang="ko-KR" sz="1600" b="0" i="0" u="none" strike="noStrike" cap="none" normalizeH="0" baseline="0" dirty="0">
-                <a:ln>
-                  <a:noFill/>
-                </a:ln>
-                <a:effectLst/>
-                <a:latin typeface="Arial Unicode MS"/>
-                <a:ea typeface="JetBrains Mono"/>
-              </a:rPr>
-              <a:t>')</a:t>
-            </a:r>
-            <a:br>
-              <a:rPr kumimoji="0" lang="ko-KR" altLang="ko-KR" sz="1600" b="0" i="0" u="none" strike="noStrike" cap="none" normalizeH="0" baseline="0" dirty="0">
-                <a:ln>
-                  <a:noFill/>
-                </a:ln>
-                <a:effectLst/>
-                <a:latin typeface="Arial Unicode MS"/>
-                <a:ea typeface="JetBrains Mono"/>
-              </a:rPr>
-            </a:br>
-            <a:r>
-              <a:rPr kumimoji="0" lang="ko-KR" altLang="ko-KR" sz="1600" b="0" i="0" u="none" strike="noStrike" cap="none" normalizeH="0" baseline="0" dirty="0">
-                <a:ln>
-                  <a:noFill/>
-                </a:ln>
-                <a:effectLst/>
-                <a:latin typeface="Arial Unicode MS"/>
-                <a:ea typeface="JetBrains Mono"/>
-              </a:rPr>
-              <a:t>    </a:t>
-            </a:r>
-            <a:r>
-              <a:rPr kumimoji="0" lang="ko-KR" altLang="ko-KR" sz="1600" b="0" i="0" u="none" strike="noStrike" cap="none" normalizeH="0" baseline="0" dirty="0" err="1">
-                <a:ln>
-                  <a:noFill/>
-                </a:ln>
-                <a:effectLst/>
-                <a:latin typeface="Arial Unicode MS"/>
-                <a:ea typeface="JetBrains Mono"/>
-              </a:rPr>
-              <a:t>py_serial.write</a:t>
-            </a:r>
-            <a:r>
-              <a:rPr kumimoji="0" lang="ko-KR" altLang="ko-KR" sz="1600" b="0" i="0" u="none" strike="noStrike" cap="none" normalizeH="0" baseline="0" dirty="0">
-                <a:ln>
-                  <a:noFill/>
-                </a:ln>
-                <a:effectLst/>
-                <a:latin typeface="Arial Unicode MS"/>
-                <a:ea typeface="JetBrains Mono"/>
-              </a:rPr>
-              <a:t>(</a:t>
-            </a:r>
-            <a:r>
-              <a:rPr kumimoji="0" lang="ko-KR" altLang="ko-KR" sz="1600" b="0" i="0" u="none" strike="noStrike" cap="none" normalizeH="0" baseline="0" dirty="0" err="1">
-                <a:ln>
-                  <a:noFill/>
-                </a:ln>
-                <a:effectLst/>
-                <a:latin typeface="Arial Unicode MS"/>
-                <a:ea typeface="JetBrains Mono"/>
-              </a:rPr>
-              <a:t>commend.encode</a:t>
-            </a:r>
-            <a:r>
-              <a:rPr kumimoji="0" lang="ko-KR" altLang="ko-KR" sz="1600" b="0" i="0" u="none" strike="noStrike" cap="none" normalizeH="0" baseline="0" dirty="0">
-                <a:ln>
-                  <a:noFill/>
-                </a:ln>
-                <a:effectLst/>
-                <a:latin typeface="Arial Unicode MS"/>
-                <a:ea typeface="JetBrains Mono"/>
-              </a:rPr>
-              <a:t>())</a:t>
-            </a:r>
-            <a:br>
-              <a:rPr kumimoji="0" lang="ko-KR" altLang="ko-KR" sz="1600" b="0" i="0" u="none" strike="noStrike" cap="none" normalizeH="0" baseline="0" dirty="0">
-                <a:ln>
-                  <a:noFill/>
-                </a:ln>
-                <a:effectLst/>
-                <a:latin typeface="Arial Unicode MS"/>
-                <a:ea typeface="JetBrains Mono"/>
-              </a:rPr>
-            </a:br>
-            <a:r>
-              <a:rPr kumimoji="0" lang="ko-KR" altLang="ko-KR" sz="1600" b="0" i="0" u="none" strike="noStrike" cap="none" normalizeH="0" baseline="0" dirty="0">
-                <a:ln>
-                  <a:noFill/>
-                </a:ln>
-                <a:effectLst/>
-                <a:latin typeface="Arial Unicode MS"/>
-                <a:ea typeface="JetBrains Mono"/>
-              </a:rPr>
-              <a:t>    </a:t>
-            </a:r>
-            <a:r>
-              <a:rPr kumimoji="0" lang="ko-KR" altLang="ko-KR" sz="1600" b="0" i="0" u="none" strike="noStrike" cap="none" normalizeH="0" baseline="0" dirty="0" err="1">
-                <a:ln>
-                  <a:noFill/>
-                </a:ln>
-                <a:effectLst/>
-                <a:latin typeface="Arial Unicode MS"/>
-                <a:ea typeface="JetBrains Mono"/>
-              </a:rPr>
-              <a:t>time.sleep</a:t>
-            </a:r>
-            <a:r>
-              <a:rPr kumimoji="0" lang="ko-KR" altLang="ko-KR" sz="1600" b="0" i="0" u="none" strike="noStrike" cap="none" normalizeH="0" baseline="0" dirty="0">
-                <a:ln>
-                  <a:noFill/>
-                </a:ln>
-                <a:effectLst/>
-                <a:latin typeface="Arial Unicode MS"/>
-                <a:ea typeface="JetBrains Mono"/>
-              </a:rPr>
-              <a:t>(0.1)</a:t>
-            </a:r>
-            <a:br>
-              <a:rPr kumimoji="0" lang="ko-KR" altLang="ko-KR" sz="1600" b="0" i="0" u="none" strike="noStrike" cap="none" normalizeH="0" baseline="0" dirty="0">
-                <a:ln>
-                  <a:noFill/>
-                </a:ln>
-                <a:effectLst/>
-                <a:latin typeface="Arial Unicode MS"/>
-                <a:ea typeface="JetBrains Mono"/>
-              </a:rPr>
-            </a:br>
-            <a:r>
-              <a:rPr kumimoji="0" lang="ko-KR" altLang="ko-KR" sz="1600" b="0" i="0" u="none" strike="noStrike" cap="none" normalizeH="0" baseline="0" dirty="0">
-                <a:ln>
-                  <a:noFill/>
-                </a:ln>
-                <a:effectLst/>
-                <a:latin typeface="Arial Unicode MS"/>
-                <a:ea typeface="JetBrains Mono"/>
-              </a:rPr>
-              <a:t>    </a:t>
-            </a:r>
-            <a:r>
-              <a:rPr kumimoji="0" lang="ko-KR" altLang="ko-KR" sz="1600" b="0" i="0" u="none" strike="noStrike" cap="none" normalizeH="0" baseline="0" dirty="0" err="1">
-                <a:ln>
-                  <a:noFill/>
-                </a:ln>
-                <a:effectLst/>
-                <a:latin typeface="Arial Unicode MS"/>
-                <a:ea typeface="JetBrains Mono"/>
-              </a:rPr>
-              <a:t>if</a:t>
-            </a:r>
-            <a:r>
-              <a:rPr kumimoji="0" lang="ko-KR" altLang="ko-KR" sz="1600" b="0" i="0" u="none" strike="noStrike" cap="none" normalizeH="0" baseline="0" dirty="0">
-                <a:ln>
-                  <a:noFill/>
-                </a:ln>
-                <a:effectLst/>
-                <a:latin typeface="Arial Unicode MS"/>
-                <a:ea typeface="JetBrains Mono"/>
-              </a:rPr>
-              <a:t> </a:t>
-            </a:r>
-            <a:r>
-              <a:rPr kumimoji="0" lang="ko-KR" altLang="ko-KR" sz="1600" b="0" i="0" u="none" strike="noStrike" cap="none" normalizeH="0" baseline="0" dirty="0" err="1">
-                <a:ln>
-                  <a:noFill/>
-                </a:ln>
-                <a:effectLst/>
-                <a:latin typeface="Arial Unicode MS"/>
-                <a:ea typeface="JetBrains Mono"/>
-              </a:rPr>
-              <a:t>py_serial.readable</a:t>
-            </a:r>
-            <a:r>
-              <a:rPr kumimoji="0" lang="ko-KR" altLang="ko-KR" sz="1600" b="0" i="0" u="none" strike="noStrike" cap="none" normalizeH="0" baseline="0" dirty="0">
-                <a:ln>
-                  <a:noFill/>
-                </a:ln>
-                <a:effectLst/>
-                <a:latin typeface="Arial Unicode MS"/>
-                <a:ea typeface="JetBrains Mono"/>
-              </a:rPr>
-              <a:t>():</a:t>
-            </a:r>
-            <a:br>
-              <a:rPr kumimoji="0" lang="ko-KR" altLang="ko-KR" sz="1600" b="0" i="0" u="none" strike="noStrike" cap="none" normalizeH="0" baseline="0" dirty="0">
-                <a:ln>
-                  <a:noFill/>
-                </a:ln>
-                <a:effectLst/>
-                <a:latin typeface="Arial Unicode MS"/>
-                <a:ea typeface="JetBrains Mono"/>
-              </a:rPr>
-            </a:br>
-            <a:r>
-              <a:rPr kumimoji="0" lang="ko-KR" altLang="ko-KR" sz="1600" b="0" i="0" u="none" strike="noStrike" cap="none" normalizeH="0" baseline="0" dirty="0">
-                <a:ln>
-                  <a:noFill/>
-                </a:ln>
-                <a:effectLst/>
-                <a:latin typeface="Arial Unicode MS"/>
-                <a:ea typeface="JetBrains Mono"/>
-              </a:rPr>
-              <a:t>        </a:t>
-            </a:r>
-            <a:r>
-              <a:rPr kumimoji="0" lang="ko-KR" altLang="ko-KR" sz="1600" b="0" i="0" u="none" strike="noStrike" cap="none" normalizeH="0" baseline="0" dirty="0" err="1">
-                <a:ln>
-                  <a:noFill/>
-                </a:ln>
-                <a:effectLst/>
-                <a:latin typeface="Arial Unicode MS"/>
-                <a:ea typeface="JetBrains Mono"/>
-              </a:rPr>
-              <a:t>response</a:t>
-            </a:r>
-            <a:r>
-              <a:rPr kumimoji="0" lang="ko-KR" altLang="ko-KR" sz="1600" b="0" i="0" u="none" strike="noStrike" cap="none" normalizeH="0" baseline="0" dirty="0">
-                <a:ln>
-                  <a:noFill/>
-                </a:ln>
-                <a:effectLst/>
-                <a:latin typeface="Arial Unicode MS"/>
-                <a:ea typeface="JetBrains Mono"/>
-              </a:rPr>
-              <a:t>=</a:t>
-            </a:r>
-            <a:r>
-              <a:rPr kumimoji="0" lang="ko-KR" altLang="ko-KR" sz="1600" b="0" i="0" u="none" strike="noStrike" cap="none" normalizeH="0" baseline="0" dirty="0" err="1">
-                <a:ln>
-                  <a:noFill/>
-                </a:ln>
-                <a:effectLst/>
-                <a:latin typeface="Arial Unicode MS"/>
-                <a:ea typeface="JetBrains Mono"/>
-              </a:rPr>
-              <a:t>py_serial.readline</a:t>
-            </a:r>
-            <a:r>
-              <a:rPr kumimoji="0" lang="ko-KR" altLang="ko-KR" sz="1600" b="0" i="0" u="none" strike="noStrike" cap="none" normalizeH="0" baseline="0" dirty="0">
-                <a:ln>
-                  <a:noFill/>
-                </a:ln>
-                <a:effectLst/>
-                <a:latin typeface="Arial Unicode MS"/>
-                <a:ea typeface="JetBrains Mono"/>
-              </a:rPr>
-              <a:t>()</a:t>
-            </a:r>
-            <a:br>
-              <a:rPr kumimoji="0" lang="ko-KR" altLang="ko-KR" sz="1600" b="0" i="0" u="none" strike="noStrike" cap="none" normalizeH="0" baseline="0" dirty="0">
-                <a:ln>
-                  <a:noFill/>
-                </a:ln>
-                <a:effectLst/>
-                <a:latin typeface="Arial Unicode MS"/>
-                <a:ea typeface="JetBrains Mono"/>
-              </a:rPr>
-            </a:br>
-            <a:r>
-              <a:rPr kumimoji="0" lang="ko-KR" altLang="ko-KR" sz="1600" b="0" i="0" u="none" strike="noStrike" cap="none" normalizeH="0" baseline="0" dirty="0">
-                <a:ln>
-                  <a:noFill/>
-                </a:ln>
-                <a:effectLst/>
-                <a:latin typeface="Arial Unicode MS"/>
-                <a:ea typeface="JetBrains Mono"/>
-              </a:rPr>
-              <a:t>        </a:t>
-            </a:r>
-            <a:r>
-              <a:rPr kumimoji="0" lang="ko-KR" altLang="ko-KR" sz="1600" b="0" i="0" u="none" strike="noStrike" cap="none" normalizeH="0" baseline="0" dirty="0" err="1">
-                <a:ln>
-                  <a:noFill/>
-                </a:ln>
-                <a:effectLst/>
-                <a:latin typeface="Arial Unicode MS"/>
-                <a:ea typeface="JetBrains Mono"/>
-              </a:rPr>
-              <a:t>print</a:t>
-            </a:r>
-            <a:r>
-              <a:rPr kumimoji="0" lang="ko-KR" altLang="ko-KR" sz="1600" b="0" i="0" u="none" strike="noStrike" cap="none" normalizeH="0" baseline="0" dirty="0">
-                <a:ln>
-                  <a:noFill/>
-                </a:ln>
-                <a:effectLst/>
-                <a:latin typeface="Arial Unicode MS"/>
-                <a:ea typeface="JetBrains Mono"/>
-              </a:rPr>
-              <a:t>(</a:t>
-            </a:r>
-            <a:r>
-              <a:rPr kumimoji="0" lang="ko-KR" altLang="ko-KR" sz="1600" b="0" i="0" u="none" strike="noStrike" cap="none" normalizeH="0" baseline="0" dirty="0" err="1">
-                <a:ln>
-                  <a:noFill/>
-                </a:ln>
-                <a:effectLst/>
-                <a:latin typeface="Arial Unicode MS"/>
-                <a:ea typeface="JetBrains Mono"/>
-              </a:rPr>
-              <a:t>response</a:t>
-            </a:r>
-            <a:r>
-              <a:rPr kumimoji="0" lang="ko-KR" altLang="ko-KR" sz="1600" b="0" i="0" u="none" strike="noStrike" cap="none" normalizeH="0" baseline="0" dirty="0">
-                <a:ln>
-                  <a:noFill/>
-                </a:ln>
-                <a:effectLst/>
-                <a:latin typeface="Arial Unicode MS"/>
-                <a:ea typeface="JetBrains Mono"/>
-              </a:rPr>
-              <a:t>[:</a:t>
-            </a:r>
-            <a:r>
-              <a:rPr kumimoji="0" lang="ko-KR" altLang="ko-KR" sz="1600" b="0" i="0" u="none" strike="noStrike" cap="none" normalizeH="0" baseline="0" dirty="0" err="1">
-                <a:ln>
-                  <a:noFill/>
-                </a:ln>
-                <a:effectLst/>
-                <a:latin typeface="Arial Unicode MS"/>
-                <a:ea typeface="JetBrains Mono"/>
-              </a:rPr>
-              <a:t>len</a:t>
-            </a:r>
-            <a:r>
-              <a:rPr kumimoji="0" lang="ko-KR" altLang="ko-KR" sz="1600" b="0" i="0" u="none" strike="noStrike" cap="none" normalizeH="0" baseline="0" dirty="0">
-                <a:ln>
-                  <a:noFill/>
-                </a:ln>
-                <a:effectLst/>
-                <a:latin typeface="Arial Unicode MS"/>
-                <a:ea typeface="JetBrains Mono"/>
-              </a:rPr>
-              <a:t>(</a:t>
-            </a:r>
-            <a:r>
-              <a:rPr kumimoji="0" lang="ko-KR" altLang="ko-KR" sz="1600" b="0" i="0" u="none" strike="noStrike" cap="none" normalizeH="0" baseline="0" dirty="0" err="1">
-                <a:ln>
-                  <a:noFill/>
-                </a:ln>
-                <a:effectLst/>
-                <a:latin typeface="Arial Unicode MS"/>
-                <a:ea typeface="JetBrains Mono"/>
-              </a:rPr>
-              <a:t>response</a:t>
-            </a:r>
-            <a:r>
-              <a:rPr kumimoji="0" lang="ko-KR" altLang="ko-KR" sz="1600" b="0" i="0" u="none" strike="noStrike" cap="none" normalizeH="0" baseline="0" dirty="0">
-                <a:ln>
-                  <a:noFill/>
-                </a:ln>
-                <a:effectLst/>
-                <a:latin typeface="Arial Unicode MS"/>
-                <a:ea typeface="JetBrains Mono"/>
-              </a:rPr>
-              <a:t>)-1].</a:t>
-            </a:r>
-            <a:r>
-              <a:rPr kumimoji="0" lang="ko-KR" altLang="ko-KR" sz="1600" b="0" i="0" u="none" strike="noStrike" cap="none" normalizeH="0" baseline="0" dirty="0" err="1">
-                <a:ln>
-                  <a:noFill/>
-                </a:ln>
-                <a:effectLst/>
-                <a:latin typeface="Arial Unicode MS"/>
-                <a:ea typeface="JetBrains Mono"/>
-              </a:rPr>
-              <a:t>decode</a:t>
-            </a:r>
-            <a:r>
-              <a:rPr kumimoji="0" lang="ko-KR" altLang="ko-KR" sz="1600" b="0" i="0" u="none" strike="noStrike" cap="none" normalizeH="0" baseline="0" dirty="0">
-                <a:ln>
-                  <a:noFill/>
-                </a:ln>
-                <a:effectLst/>
-                <a:latin typeface="Arial Unicode MS"/>
-                <a:ea typeface="JetBrains Mono"/>
-              </a:rPr>
-              <a:t>())</a:t>
-            </a:r>
-            <a:br>
-              <a:rPr kumimoji="0" lang="ko-KR" altLang="ko-KR" sz="1600" b="0" i="0" u="none" strike="noStrike" cap="none" normalizeH="0" baseline="0" dirty="0">
-                <a:ln>
-                  <a:noFill/>
-                </a:ln>
-                <a:solidFill>
-                  <a:srgbClr val="BCBEC4"/>
-                </a:solidFill>
-                <a:effectLst/>
-                <a:latin typeface="Arial Unicode MS"/>
-                <a:ea typeface="JetBrains Mono"/>
-              </a:rPr>
-            </a:br>
-            <a:endParaRPr kumimoji="0" lang="ko-KR" altLang="ko-KR" sz="4000" b="0" i="0" u="none" strike="noStrike" cap="none" normalizeH="0" baseline="0" dirty="0">
-              <a:ln>
-                <a:noFill/>
-              </a:ln>
-              <a:solidFill>
-                <a:schemeClr val="tx1"/>
-              </a:solidFill>
-              <a:effectLst/>
-              <a:latin typeface="Arial" panose="020B0604020202020204" pitchFamily="34" charset="0"/>
-            </a:endParaRPr>
           </a:p>
         </p:txBody>
       </p:sp>
     </p:spTree>
     <p:extLst>
       <p:ext uri="{BB962C8B-B14F-4D97-AF65-F5344CB8AC3E}">
-        <p14:creationId xmlns:p14="http://schemas.microsoft.com/office/powerpoint/2010/main" val="2428202147"/>
+        <p14:creationId xmlns:p14="http://schemas.microsoft.com/office/powerpoint/2010/main" val="2776524365"/>
       </p:ext>
     </p:extLst>
   </p:cSld>
@@ -6838,7 +6201,7 @@
           <p:cNvPr id="3" name="텍스트 개체 틀 2">
             <a:extLst>
               <a:ext uri="{FF2B5EF4-FFF2-40B4-BE49-F238E27FC236}">
-                <a16:creationId xmlns:a16="http://schemas.microsoft.com/office/drawing/2014/main" id="{8B10A804-59C5-45F8-92DF-DAB4258305F8}"/>
+                <a16:creationId xmlns:a16="http://schemas.microsoft.com/office/drawing/2014/main" id="{06E8F131-398B-4E14-8D4A-B480A029E589}"/>
               </a:ext>
             </a:extLst>
           </p:cNvPr>
@@ -6867,10 +6230,55 @@
       </p:sp>
       <p:sp>
         <p:nvSpPr>
-          <p:cNvPr id="4" name="직사각형 3">
-            <a:extLst>
-              <a:ext uri="{FF2B5EF4-FFF2-40B4-BE49-F238E27FC236}">
-                <a16:creationId xmlns:a16="http://schemas.microsoft.com/office/drawing/2014/main" id="{801E8B98-50BB-464D-A998-6EB1D98FE962}"/>
+          <p:cNvPr id="7" name="TextBox 6">
+            <a:extLst>
+              <a:ext uri="{FF2B5EF4-FFF2-40B4-BE49-F238E27FC236}">
+                <a16:creationId xmlns:a16="http://schemas.microsoft.com/office/drawing/2014/main" id="{EA66F071-3867-4724-91A5-2A8A8F227CE7}"/>
+              </a:ext>
+            </a:extLst>
+          </p:cNvPr>
+          <p:cNvSpPr txBox="1"/>
+          <p:nvPr/>
+        </p:nvSpPr>
+        <p:spPr>
+          <a:xfrm>
+            <a:off x="9407026" y="258544"/>
+            <a:ext cx="2476960" cy="646331"/>
+          </a:xfrm>
+          <a:prstGeom prst="rect">
+            <a:avLst/>
+          </a:prstGeom>
+          <a:noFill/>
+        </p:spPr>
+        <p:txBody>
+          <a:bodyPr wrap="none" rtlCol="0">
+            <a:spAutoFit/>
+          </a:bodyPr>
+          <a:lstStyle/>
+          <a:p>
+            <a:r>
+              <a:rPr lang="ko-KR" altLang="en-US" dirty="0"/>
+              <a:t>소스코드 링크</a:t>
+            </a:r>
+            <a:endParaRPr lang="en-US" altLang="ko-KR" dirty="0"/>
+          </a:p>
+          <a:p>
+            <a:r>
+              <a:rPr lang="en-US" altLang="ko-KR" dirty="0">
+                <a:hlinkClick r:id="rId2"/>
+              </a:rPr>
+              <a:t>https://bit.ly/4bQcK49</a:t>
+            </a:r>
+            <a:endParaRPr lang="ko-KR" altLang="en-US" dirty="0"/>
+          </a:p>
+        </p:txBody>
+      </p:sp>
+      <p:sp>
+        <p:nvSpPr>
+          <p:cNvPr id="10" name="직사각형 9">
+            <a:extLst>
+              <a:ext uri="{FF2B5EF4-FFF2-40B4-BE49-F238E27FC236}">
+                <a16:creationId xmlns:a16="http://schemas.microsoft.com/office/drawing/2014/main" id="{3874362B-4043-4020-915A-020ECD0E8D48}"/>
               </a:ext>
             </a:extLst>
           </p:cNvPr>
@@ -6893,292 +6301,412 @@
           <a:lstStyle/>
           <a:p>
             <a:r>
-              <a:rPr lang="ko-KR" altLang="en-US" sz="1600" dirty="0"/>
+              <a:rPr lang="ko-KR" altLang="en-US" sz="1200" dirty="0"/>
               <a:t>#</a:t>
             </a:r>
             <a:r>
-              <a:rPr lang="ko-KR" altLang="en-US" sz="1600" dirty="0" err="1"/>
+              <a:rPr lang="ko-KR" altLang="en-US" sz="1200" dirty="0" err="1"/>
               <a:t>include</a:t>
             </a:r>
             <a:r>
-              <a:rPr lang="ko-KR" altLang="en-US" sz="1600" dirty="0"/>
-              <a:t> &lt;LiquidCrystal_I2C.h&gt;</a:t>
-            </a:r>
-          </a:p>
-          <a:p>
-            <a:endParaRPr lang="ko-KR" altLang="en-US" sz="1600" dirty="0"/>
-          </a:p>
-          <a:p>
-            <a:r>
-              <a:rPr lang="ko-KR" altLang="en-US" sz="1600" dirty="0"/>
-              <a:t>LiquidCrystal_I2C </a:t>
-            </a:r>
-            <a:r>
-              <a:rPr lang="ko-KR" altLang="en-US" sz="1600" dirty="0" err="1"/>
-              <a:t>lcd</a:t>
-            </a:r>
-            <a:r>
-              <a:rPr lang="ko-KR" altLang="en-US" sz="1600" dirty="0"/>
-              <a:t>(0x27,16,2);</a:t>
-            </a:r>
-          </a:p>
-          <a:p>
-            <a:r>
-              <a:rPr lang="ko-KR" altLang="en-US" sz="1600" dirty="0" err="1"/>
-              <a:t>String</a:t>
-            </a:r>
-            <a:r>
-              <a:rPr lang="ko-KR" altLang="en-US" sz="1600" dirty="0"/>
+              <a:rPr lang="ko-KR" altLang="en-US" sz="1200" dirty="0"/>
+              <a:t> &lt;</a:t>
+            </a:r>
+            <a:r>
+              <a:rPr lang="ko-KR" altLang="en-US" sz="1200" dirty="0" err="1"/>
+              <a:t>DHT.h</a:t>
+            </a:r>
+            <a:r>
+              <a:rPr lang="ko-KR" altLang="en-US" sz="1200" dirty="0"/>
+              <a:t>&gt;</a:t>
+            </a:r>
+          </a:p>
+          <a:p>
+            <a:r>
+              <a:rPr lang="ko-KR" altLang="en-US" sz="1200" dirty="0"/>
+              <a:t>DHT dth11(9,DHT11);</a:t>
+            </a:r>
+          </a:p>
+          <a:p>
+            <a:r>
+              <a:rPr lang="ko-KR" altLang="en-US" sz="1200" dirty="0" err="1"/>
+              <a:t>char</a:t>
+            </a:r>
+            <a:r>
+              <a:rPr lang="ko-KR" altLang="en-US" sz="1200" dirty="0"/>
               <a:t> </a:t>
             </a:r>
             <a:r>
-              <a:rPr lang="ko-KR" altLang="en-US" sz="1600" dirty="0" err="1"/>
+              <a:rPr lang="ko-KR" altLang="en-US" sz="1200" dirty="0" err="1"/>
               <a:t>cmd</a:t>
             </a:r>
             <a:r>
-              <a:rPr lang="ko-KR" altLang="en-US" sz="1600" dirty="0"/>
+              <a:rPr lang="ko-KR" altLang="en-US" sz="1200" dirty="0"/>
               <a:t>;</a:t>
             </a:r>
           </a:p>
           <a:p>
-            <a:r>
-              <a:rPr lang="ko-KR" altLang="en-US" sz="1600" dirty="0" err="1"/>
+            <a:endParaRPr lang="ko-KR" altLang="en-US" sz="1200" dirty="0"/>
+          </a:p>
+          <a:p>
+            <a:r>
+              <a:rPr lang="ko-KR" altLang="en-US" sz="1200" dirty="0" err="1"/>
               <a:t>void</a:t>
             </a:r>
             <a:r>
-              <a:rPr lang="ko-KR" altLang="en-US" sz="1600" dirty="0"/>
+              <a:rPr lang="ko-KR" altLang="en-US" sz="1200" dirty="0"/>
               <a:t> </a:t>
             </a:r>
             <a:r>
-              <a:rPr lang="ko-KR" altLang="en-US" sz="1600" dirty="0" err="1"/>
+              <a:rPr lang="ko-KR" altLang="en-US" sz="1200" dirty="0" err="1"/>
               <a:t>setup</a:t>
             </a:r>
             <a:r>
-              <a:rPr lang="ko-KR" altLang="en-US" sz="1600" dirty="0"/>
+              <a:rPr lang="ko-KR" altLang="en-US" sz="1200" dirty="0"/>
               <a:t>()</a:t>
             </a:r>
           </a:p>
           <a:p>
             <a:r>
-              <a:rPr lang="ko-KR" altLang="en-US" sz="1600" dirty="0"/>
+              <a:rPr lang="ko-KR" altLang="en-US" sz="1200" dirty="0"/>
               <a:t>{</a:t>
             </a:r>
           </a:p>
           <a:p>
             <a:r>
-              <a:rPr lang="ko-KR" altLang="en-US" sz="1600" dirty="0"/>
+              <a:rPr lang="ko-KR" altLang="en-US" sz="1200" dirty="0"/>
               <a:t>  </a:t>
             </a:r>
             <a:r>
-              <a:rPr lang="ko-KR" altLang="en-US" sz="1600" dirty="0" err="1"/>
+              <a:rPr lang="ko-KR" altLang="en-US" sz="1200" dirty="0" err="1"/>
               <a:t>Serial.begin</a:t>
             </a:r>
             <a:r>
-              <a:rPr lang="ko-KR" altLang="en-US" sz="1600" dirty="0"/>
+              <a:rPr lang="ko-KR" altLang="en-US" sz="1200" dirty="0"/>
               <a:t>(9600);</a:t>
             </a:r>
           </a:p>
           <a:p>
             <a:r>
-              <a:rPr lang="ko-KR" altLang="en-US" sz="1600" dirty="0"/>
+              <a:rPr lang="ko-KR" altLang="en-US" sz="1200" dirty="0"/>
+              <a:t>  dth11.begin();</a:t>
+            </a:r>
+          </a:p>
+          <a:p>
+            <a:r>
+              <a:rPr lang="ko-KR" altLang="en-US" sz="1200" dirty="0"/>
+              <a:t>}</a:t>
+            </a:r>
+          </a:p>
+          <a:p>
+            <a:endParaRPr lang="ko-KR" altLang="en-US" sz="1200" dirty="0"/>
+          </a:p>
+          <a:p>
+            <a:r>
+              <a:rPr lang="ko-KR" altLang="en-US" sz="1200" dirty="0" err="1"/>
+              <a:t>void</a:t>
+            </a:r>
+            <a:r>
+              <a:rPr lang="ko-KR" altLang="en-US" sz="1200" dirty="0"/>
+              <a:t> </a:t>
+            </a:r>
+            <a:r>
+              <a:rPr lang="ko-KR" altLang="en-US" sz="1200" dirty="0" err="1"/>
+              <a:t>loop</a:t>
+            </a:r>
+            <a:r>
+              <a:rPr lang="ko-KR" altLang="en-US" sz="1200" dirty="0"/>
+              <a:t>()</a:t>
+            </a:r>
+          </a:p>
+          <a:p>
+            <a:r>
+              <a:rPr lang="ko-KR" altLang="en-US" sz="1200" dirty="0"/>
+              <a:t>{</a:t>
+            </a:r>
+          </a:p>
+          <a:p>
+            <a:r>
+              <a:rPr lang="ko-KR" altLang="en-US" sz="1200" dirty="0"/>
               <a:t>  </a:t>
             </a:r>
             <a:r>
-              <a:rPr lang="ko-KR" altLang="en-US" sz="1600" dirty="0" err="1"/>
-              <a:t>lcd.init</a:t>
-            </a:r>
-            <a:r>
-              <a:rPr lang="ko-KR" altLang="en-US" sz="1600" dirty="0"/>
+              <a:rPr lang="ko-KR" altLang="en-US" sz="1200" dirty="0" err="1"/>
+              <a:t>float</a:t>
+            </a:r>
+            <a:r>
+              <a:rPr lang="ko-KR" altLang="en-US" sz="1200" dirty="0"/>
+              <a:t> </a:t>
+            </a:r>
+            <a:r>
+              <a:rPr lang="ko-KR" altLang="en-US" sz="1200" dirty="0" err="1"/>
+              <a:t>t</a:t>
+            </a:r>
+            <a:r>
+              <a:rPr lang="ko-KR" altLang="en-US" sz="1200" dirty="0"/>
+              <a:t>=dth11.readTemperature();</a:t>
+            </a:r>
+          </a:p>
+          <a:p>
+            <a:r>
+              <a:rPr lang="ko-KR" altLang="en-US" sz="1200" dirty="0"/>
+              <a:t>  </a:t>
+            </a:r>
+            <a:r>
+              <a:rPr lang="ko-KR" altLang="en-US" sz="1200" dirty="0" err="1"/>
+              <a:t>if</a:t>
+            </a:r>
+            <a:r>
+              <a:rPr lang="ko-KR" altLang="en-US" sz="1200" dirty="0"/>
+              <a:t>(</a:t>
+            </a:r>
+            <a:r>
+              <a:rPr lang="ko-KR" altLang="en-US" sz="1200" dirty="0" err="1"/>
+              <a:t>Serial.available</a:t>
+            </a:r>
+            <a:r>
+              <a:rPr lang="ko-KR" altLang="en-US" sz="1200" dirty="0"/>
+              <a:t>())</a:t>
+            </a:r>
+          </a:p>
+          <a:p>
+            <a:r>
+              <a:rPr lang="ko-KR" altLang="en-US" sz="1200" dirty="0"/>
+              <a:t>  {</a:t>
+            </a:r>
+          </a:p>
+          <a:p>
+            <a:r>
+              <a:rPr lang="ko-KR" altLang="en-US" sz="1200" dirty="0"/>
+              <a:t>    </a:t>
+            </a:r>
+            <a:r>
+              <a:rPr lang="ko-KR" altLang="en-US" sz="1200" dirty="0" err="1"/>
+              <a:t>cmd</a:t>
+            </a:r>
+            <a:r>
+              <a:rPr lang="ko-KR" altLang="en-US" sz="1200" dirty="0"/>
+              <a:t>=</a:t>
+            </a:r>
+            <a:r>
+              <a:rPr lang="ko-KR" altLang="en-US" sz="1200" dirty="0" err="1"/>
+              <a:t>Serial.read</a:t>
+            </a:r>
+            <a:r>
+              <a:rPr lang="ko-KR" altLang="en-US" sz="1200" dirty="0"/>
               <a:t>();</a:t>
             </a:r>
           </a:p>
           <a:p>
             <a:r>
-              <a:rPr lang="ko-KR" altLang="en-US" sz="1600" dirty="0"/>
-              <a:t>  </a:t>
-            </a:r>
-            <a:r>
-              <a:rPr lang="ko-KR" altLang="en-US" sz="1600" dirty="0" err="1"/>
-              <a:t>lcd.backlight</a:t>
-            </a:r>
-            <a:r>
-              <a:rPr lang="ko-KR" altLang="en-US" sz="1600" dirty="0"/>
-              <a:t>();</a:t>
-            </a:r>
-          </a:p>
-          <a:p>
-            <a:r>
-              <a:rPr lang="ko-KR" altLang="en-US" sz="1600" dirty="0"/>
-              <a:t>}</a:t>
-            </a:r>
-          </a:p>
-          <a:p>
-            <a:endParaRPr lang="ko-KR" altLang="en-US" sz="1600" dirty="0"/>
-          </a:p>
-          <a:p>
-            <a:r>
-              <a:rPr lang="ko-KR" altLang="en-US" sz="1600" dirty="0" err="1"/>
-              <a:t>void</a:t>
-            </a:r>
-            <a:r>
-              <a:rPr lang="ko-KR" altLang="en-US" sz="1600" dirty="0"/>
+              <a:rPr lang="ko-KR" altLang="en-US" sz="1200" dirty="0"/>
+              <a:t>    </a:t>
+            </a:r>
+            <a:r>
+              <a:rPr lang="ko-KR" altLang="en-US" sz="1200" dirty="0" err="1"/>
+              <a:t>if</a:t>
+            </a:r>
+            <a:r>
+              <a:rPr lang="ko-KR" altLang="en-US" sz="1200" dirty="0"/>
+              <a:t>(</a:t>
+            </a:r>
+            <a:r>
+              <a:rPr lang="ko-KR" altLang="en-US" sz="1200" dirty="0" err="1"/>
+              <a:t>cmd</a:t>
+            </a:r>
+            <a:r>
+              <a:rPr lang="ko-KR" altLang="en-US" sz="1200" dirty="0"/>
+              <a:t>=='\</a:t>
+            </a:r>
+            <a:r>
+              <a:rPr lang="ko-KR" altLang="en-US" sz="1200" dirty="0" err="1"/>
+              <a:t>n</a:t>
+            </a:r>
+            <a:r>
+              <a:rPr lang="ko-KR" altLang="en-US" sz="1200" dirty="0"/>
+              <a:t>')</a:t>
+            </a:r>
+          </a:p>
+          <a:p>
+            <a:r>
+              <a:rPr lang="ko-KR" altLang="en-US" sz="1200" dirty="0"/>
+              <a:t>    {</a:t>
+            </a:r>
+          </a:p>
+          <a:p>
+            <a:r>
+              <a:rPr lang="ko-KR" altLang="en-US" sz="1200" dirty="0"/>
+              <a:t>      </a:t>
+            </a:r>
+          </a:p>
+          <a:p>
+            <a:r>
+              <a:rPr lang="ko-KR" altLang="en-US" sz="1200" dirty="0"/>
+              <a:t>    }</a:t>
+            </a:r>
+          </a:p>
+          <a:p>
+            <a:r>
+              <a:rPr lang="ko-KR" altLang="en-US" sz="1200" dirty="0"/>
+              <a:t>    </a:t>
+            </a:r>
+            <a:r>
+              <a:rPr lang="ko-KR" altLang="en-US" sz="1200" dirty="0" err="1"/>
+              <a:t>else</a:t>
+            </a:r>
+            <a:r>
+              <a:rPr lang="ko-KR" altLang="en-US" sz="1200" dirty="0"/>
               <a:t> </a:t>
             </a:r>
             <a:r>
-              <a:rPr lang="ko-KR" altLang="en-US" sz="1600" dirty="0" err="1"/>
-              <a:t>loop</a:t>
-            </a:r>
-            <a:r>
-              <a:rPr lang="ko-KR" altLang="en-US" sz="1600" dirty="0"/>
-              <a:t>()</a:t>
-            </a:r>
-          </a:p>
-          <a:p>
-            <a:r>
-              <a:rPr lang="ko-KR" altLang="en-US" sz="1600" dirty="0"/>
-              <a:t>{</a:t>
-            </a:r>
-          </a:p>
-          <a:p>
-            <a:r>
-              <a:rPr lang="ko-KR" altLang="en-US" sz="1600" dirty="0"/>
-              <a:t>  </a:t>
-            </a:r>
-          </a:p>
-          <a:p>
-            <a:r>
-              <a:rPr lang="ko-KR" altLang="en-US" sz="1600" dirty="0"/>
-              <a:t>  </a:t>
-            </a:r>
-            <a:r>
-              <a:rPr lang="ko-KR" altLang="en-US" sz="1600" dirty="0" err="1"/>
+              <a:rPr lang="ko-KR" altLang="en-US" sz="1200" dirty="0" err="1"/>
               <a:t>if</a:t>
             </a:r>
             <a:r>
-              <a:rPr lang="ko-KR" altLang="en-US" sz="1600" dirty="0"/>
+              <a:rPr lang="ko-KR" altLang="en-US" sz="1200" dirty="0"/>
               <a:t>(</a:t>
             </a:r>
             <a:r>
-              <a:rPr lang="ko-KR" altLang="en-US" sz="1600" dirty="0" err="1"/>
-              <a:t>Serial.available</a:t>
-            </a:r>
-            <a:r>
-              <a:rPr lang="ko-KR" altLang="en-US" sz="1600" dirty="0"/>
-              <a:t>())</a:t>
-            </a:r>
-          </a:p>
-          <a:p>
-            <a:r>
-              <a:rPr lang="ko-KR" altLang="en-US" sz="1600" dirty="0"/>
-              <a:t>  {</a:t>
-            </a:r>
-          </a:p>
-          <a:p>
-            <a:r>
-              <a:rPr lang="ko-KR" altLang="en-US" sz="1600" dirty="0"/>
+              <a:rPr lang="ko-KR" altLang="en-US" sz="1200" dirty="0" err="1"/>
+              <a:t>cmd</a:t>
+            </a:r>
+            <a:r>
+              <a:rPr lang="ko-KR" altLang="en-US" sz="1200" dirty="0"/>
+              <a:t>=='</a:t>
+            </a:r>
+            <a:r>
+              <a:rPr lang="ko-KR" altLang="en-US" sz="1200" dirty="0" err="1"/>
+              <a:t>T</a:t>
+            </a:r>
+            <a:r>
+              <a:rPr lang="ko-KR" altLang="en-US" sz="1200" dirty="0"/>
+              <a:t>')</a:t>
+            </a:r>
+          </a:p>
+          <a:p>
+            <a:r>
+              <a:rPr lang="ko-KR" altLang="en-US" sz="1200" dirty="0"/>
+              <a:t>    {</a:t>
+            </a:r>
+          </a:p>
+          <a:p>
+            <a:r>
+              <a:rPr lang="ko-KR" altLang="en-US" sz="1200" dirty="0"/>
+              <a:t>      </a:t>
+            </a:r>
+            <a:r>
+              <a:rPr lang="ko-KR" altLang="en-US" sz="1200" dirty="0" err="1"/>
+              <a:t>Serial.println</a:t>
+            </a:r>
+            <a:r>
+              <a:rPr lang="ko-KR" altLang="en-US" sz="1200" dirty="0"/>
+              <a:t>(</a:t>
+            </a:r>
+            <a:r>
+              <a:rPr lang="ko-KR" altLang="en-US" sz="1200" dirty="0" err="1"/>
+              <a:t>t</a:t>
+            </a:r>
+            <a:r>
+              <a:rPr lang="ko-KR" altLang="en-US" sz="1200" dirty="0"/>
+              <a:t>);</a:t>
+            </a:r>
+          </a:p>
+          <a:p>
+            <a:r>
+              <a:rPr lang="ko-KR" altLang="en-US" sz="1200" dirty="0"/>
+              <a:t>      </a:t>
+            </a:r>
+            <a:r>
+              <a:rPr lang="ko-KR" altLang="en-US" sz="1200" dirty="0" err="1"/>
+              <a:t>delay</a:t>
+            </a:r>
+            <a:r>
+              <a:rPr lang="ko-KR" altLang="en-US" sz="1200" dirty="0"/>
+              <a:t>(100);</a:t>
+            </a:r>
+          </a:p>
+          <a:p>
+            <a:r>
+              <a:rPr lang="ko-KR" altLang="en-US" sz="1200" dirty="0"/>
+              <a:t>    }</a:t>
+            </a:r>
+          </a:p>
+          <a:p>
+            <a:r>
+              <a:rPr lang="ko-KR" altLang="en-US" sz="1200" dirty="0"/>
               <a:t>    </a:t>
             </a:r>
             <a:r>
-              <a:rPr lang="ko-KR" altLang="en-US" sz="1600" dirty="0" err="1"/>
+              <a:rPr lang="ko-KR" altLang="en-US" sz="1200" dirty="0" err="1"/>
+              <a:t>else</a:t>
+            </a:r>
+            <a:endParaRPr lang="ko-KR" altLang="en-US" sz="1200" dirty="0"/>
+          </a:p>
+          <a:p>
+            <a:r>
+              <a:rPr lang="ko-KR" altLang="en-US" sz="1200" dirty="0"/>
+              <a:t>    {</a:t>
+            </a:r>
+          </a:p>
+          <a:p>
+            <a:r>
+              <a:rPr lang="ko-KR" altLang="en-US" sz="1200" dirty="0"/>
+              <a:t>      </a:t>
+            </a:r>
+            <a:r>
+              <a:rPr lang="ko-KR" altLang="en-US" sz="1200" dirty="0" err="1"/>
               <a:t>Serial.println</a:t>
             </a:r>
             <a:r>
-              <a:rPr lang="ko-KR" altLang="en-US" sz="1600" dirty="0"/>
-              <a:t>("OK");</a:t>
-            </a:r>
-          </a:p>
-          <a:p>
-            <a:r>
-              <a:rPr lang="ko-KR" altLang="en-US" sz="1600" dirty="0"/>
-              <a:t>    </a:t>
-            </a:r>
-            <a:r>
-              <a:rPr lang="ko-KR" altLang="en-US" sz="1600" dirty="0" err="1"/>
-              <a:t>cmd</a:t>
-            </a:r>
-            <a:r>
-              <a:rPr lang="ko-KR" altLang="en-US" sz="1600" dirty="0"/>
-              <a:t>=</a:t>
-            </a:r>
-            <a:r>
-              <a:rPr lang="ko-KR" altLang="en-US" sz="1600" dirty="0" err="1"/>
-              <a:t>Serial.readStringUntil</a:t>
-            </a:r>
-            <a:r>
-              <a:rPr lang="ko-KR" altLang="en-US" sz="1600" dirty="0"/>
-              <a:t>('\</a:t>
-            </a:r>
-            <a:r>
-              <a:rPr lang="ko-KR" altLang="en-US" sz="1600" dirty="0" err="1"/>
-              <a:t>n</a:t>
-            </a:r>
-            <a:r>
-              <a:rPr lang="ko-KR" altLang="en-US" sz="1600" dirty="0"/>
-              <a:t>');</a:t>
-            </a:r>
-          </a:p>
-          <a:p>
-            <a:r>
-              <a:rPr lang="ko-KR" altLang="en-US" sz="1600" dirty="0"/>
-              <a:t>    </a:t>
-            </a:r>
-            <a:r>
-              <a:rPr lang="ko-KR" altLang="en-US" sz="1600" dirty="0" err="1"/>
-              <a:t>lcd.clear</a:t>
-            </a:r>
-            <a:r>
-              <a:rPr lang="ko-KR" altLang="en-US" sz="1600" dirty="0"/>
-              <a:t>();</a:t>
-            </a:r>
-          </a:p>
-          <a:p>
-            <a:r>
-              <a:rPr lang="ko-KR" altLang="en-US" sz="1600" dirty="0"/>
-              <a:t>    </a:t>
-            </a:r>
-            <a:r>
-              <a:rPr lang="ko-KR" altLang="en-US" sz="1600" dirty="0" err="1"/>
-              <a:t>lcd.setCursor</a:t>
-            </a:r>
-            <a:r>
-              <a:rPr lang="ko-KR" altLang="en-US" sz="1600" dirty="0"/>
-              <a:t>(0,0);</a:t>
-            </a:r>
-          </a:p>
-          <a:p>
-            <a:r>
-              <a:rPr lang="ko-KR" altLang="en-US" sz="1600" dirty="0"/>
-              <a:t>    </a:t>
-            </a:r>
-            <a:r>
-              <a:rPr lang="ko-KR" altLang="en-US" sz="1600" dirty="0" err="1"/>
-              <a:t>lcd.print</a:t>
-            </a:r>
-            <a:r>
-              <a:rPr lang="ko-KR" altLang="en-US" sz="1600" dirty="0"/>
-              <a:t>(</a:t>
-            </a:r>
-            <a:r>
-              <a:rPr lang="ko-KR" altLang="en-US" sz="1600" dirty="0" err="1"/>
-              <a:t>cmd</a:t>
-            </a:r>
-            <a:r>
-              <a:rPr lang="ko-KR" altLang="en-US" sz="1600" dirty="0"/>
-              <a:t>);</a:t>
-            </a:r>
-          </a:p>
-          <a:p>
-            <a:endParaRPr lang="ko-KR" altLang="en-US" sz="1600" dirty="0"/>
-          </a:p>
-          <a:p>
-            <a:r>
-              <a:rPr lang="ko-KR" altLang="en-US" sz="1600" dirty="0"/>
+              <a:rPr lang="ko-KR" altLang="en-US" sz="1200" dirty="0"/>
+              <a:t>("</a:t>
+            </a:r>
+            <a:r>
+              <a:rPr lang="ko-KR" altLang="en-US" sz="1200" dirty="0" err="1"/>
+              <a:t>not</a:t>
+            </a:r>
+            <a:r>
+              <a:rPr lang="ko-KR" altLang="en-US" sz="1200" dirty="0"/>
+              <a:t> </a:t>
+            </a:r>
+            <a:r>
+              <a:rPr lang="ko-KR" altLang="en-US" sz="1200" dirty="0" err="1"/>
+              <a:t>menu</a:t>
+            </a:r>
+            <a:r>
+              <a:rPr lang="ko-KR" altLang="en-US" sz="1200" dirty="0"/>
+              <a:t>");</a:t>
+            </a:r>
+          </a:p>
+          <a:p>
+            <a:r>
+              <a:rPr lang="ko-KR" altLang="en-US" sz="1200" dirty="0"/>
+              <a:t>      </a:t>
+            </a:r>
+            <a:r>
+              <a:rPr lang="ko-KR" altLang="en-US" sz="1200" dirty="0" err="1"/>
+              <a:t>delay</a:t>
+            </a:r>
+            <a:r>
+              <a:rPr lang="ko-KR" altLang="en-US" sz="1200" dirty="0"/>
+              <a:t>(100);</a:t>
+            </a:r>
+          </a:p>
+          <a:p>
+            <a:r>
+              <a:rPr lang="ko-KR" altLang="en-US" sz="1200" dirty="0"/>
+              <a:t>    }</a:t>
+            </a:r>
+          </a:p>
+          <a:p>
+            <a:r>
+              <a:rPr lang="ko-KR" altLang="en-US" sz="1200" dirty="0"/>
               <a:t>  }</a:t>
             </a:r>
           </a:p>
           <a:p>
             <a:r>
-              <a:rPr lang="ko-KR" altLang="en-US" sz="1600" dirty="0"/>
+              <a:rPr lang="ko-KR" altLang="en-US" sz="1200" dirty="0"/>
               <a:t>}</a:t>
             </a:r>
           </a:p>
@@ -7187,7 +6715,7 @@
     </p:spTree>
     <p:extLst>
       <p:ext uri="{BB962C8B-B14F-4D97-AF65-F5344CB8AC3E}">
-        <p14:creationId xmlns:p14="http://schemas.microsoft.com/office/powerpoint/2010/main" val="3541013817"/>
+        <p14:creationId xmlns:p14="http://schemas.microsoft.com/office/powerpoint/2010/main" val="1209965650"/>
       </p:ext>
     </p:extLst>
   </p:cSld>
@@ -7219,7 +6747,7 @@
           <p:cNvPr id="3" name="텍스트 개체 틀 2">
             <a:extLst>
               <a:ext uri="{FF2B5EF4-FFF2-40B4-BE49-F238E27FC236}">
-                <a16:creationId xmlns:a16="http://schemas.microsoft.com/office/drawing/2014/main" id="{D79396E7-1FC2-4086-B9F6-AC12073F2C90}"/>
+                <a16:creationId xmlns:a16="http://schemas.microsoft.com/office/drawing/2014/main" id="{378045FA-B689-484B-9579-9536660C54E7}"/>
               </a:ext>
             </a:extLst>
           </p:cNvPr>
@@ -7236,18 +6764,67 @@
           <a:lstStyle/>
           <a:p>
             <a:r>
+              <a:rPr lang="ko-KR" altLang="en-US" dirty="0" err="1"/>
+              <a:t>파이썬</a:t>
+            </a:r>
+            <a:r>
               <a:rPr lang="ko-KR" altLang="en-US" dirty="0"/>
-              <a:t>소스코드</a:t>
-            </a:r>
-          </a:p>
-        </p:txBody>
-      </p:sp>
-      <p:sp>
-        <p:nvSpPr>
-          <p:cNvPr id="2" name="Rectangle 1">
-            <a:extLst>
-              <a:ext uri="{FF2B5EF4-FFF2-40B4-BE49-F238E27FC236}">
-                <a16:creationId xmlns:a16="http://schemas.microsoft.com/office/drawing/2014/main" id="{02FD9A83-5236-45E8-9A57-2F3FBE786106}"/>
+              <a:t> 코드</a:t>
+            </a:r>
+          </a:p>
+        </p:txBody>
+      </p:sp>
+      <p:sp>
+        <p:nvSpPr>
+          <p:cNvPr id="5" name="TextBox 4">
+            <a:extLst>
+              <a:ext uri="{FF2B5EF4-FFF2-40B4-BE49-F238E27FC236}">
+                <a16:creationId xmlns:a16="http://schemas.microsoft.com/office/drawing/2014/main" id="{28561716-A8EF-4691-AF13-F34AA68FA5B2}"/>
+              </a:ext>
+            </a:extLst>
+          </p:cNvPr>
+          <p:cNvSpPr txBox="1"/>
+          <p:nvPr/>
+        </p:nvSpPr>
+        <p:spPr>
+          <a:xfrm>
+            <a:off x="9407026" y="258544"/>
+            <a:ext cx="2476960" cy="646331"/>
+          </a:xfrm>
+          <a:prstGeom prst="rect">
+            <a:avLst/>
+          </a:prstGeom>
+          <a:noFill/>
+        </p:spPr>
+        <p:txBody>
+          <a:bodyPr wrap="none" rtlCol="0">
+            <a:spAutoFit/>
+          </a:bodyPr>
+          <a:lstStyle/>
+          <a:p>
+            <a:r>
+              <a:rPr lang="ko-KR" altLang="en-US" dirty="0"/>
+              <a:t>소스코드 링크</a:t>
+            </a:r>
+            <a:endParaRPr lang="en-US" altLang="ko-KR" dirty="0"/>
+          </a:p>
+          <a:p>
+            <a:r>
+              <a:rPr lang="en-US" altLang="ko-KR" dirty="0">
+                <a:hlinkClick r:id="rId2"/>
+              </a:rPr>
+              <a:t>https://bit.ly/4bQcK49</a:t>
+            </a:r>
+            <a:endParaRPr lang="ko-KR" altLang="en-US" dirty="0"/>
+          </a:p>
+        </p:txBody>
+      </p:sp>
+      <p:sp>
+        <p:nvSpPr>
+          <p:cNvPr id="8" name="Rectangle 3">
+            <a:extLst>
+              <a:ext uri="{FF2B5EF4-FFF2-40B4-BE49-F238E27FC236}">
+                <a16:creationId xmlns:a16="http://schemas.microsoft.com/office/drawing/2014/main" id="{D9CA25A3-3D07-4A74-9849-C5C2A239584C}"/>
               </a:ext>
             </a:extLst>
           </p:cNvPr>
@@ -7258,8 +6835,8 @@
         </p:nvSpPr>
         <p:spPr bwMode="auto">
           <a:xfrm>
-            <a:off x="454523" y="1546345"/>
-            <a:ext cx="7179242" cy="2800767"/>
+            <a:off x="359834" y="1618303"/>
+            <a:ext cx="6706319" cy="3170099"/>
           </a:xfrm>
           <a:prstGeom prst="rect">
             <a:avLst/>
@@ -7299,7 +6876,7 @@
               <a:tabLst/>
             </a:pPr>
             <a:r>
-              <a:rPr kumimoji="0" lang="ko-KR" altLang="ko-KR" sz="1600" b="0" i="0" u="none" strike="noStrike" cap="none" normalizeH="0" baseline="0">
+              <a:rPr kumimoji="0" lang="ko-KR" altLang="ko-KR" sz="1600" b="0" i="0" u="none" strike="noStrike" cap="none" normalizeH="0" baseline="0" dirty="0" err="1">
                 <a:ln>
                   <a:noFill/>
                 </a:ln>
@@ -7307,10 +6884,10 @@
                 <a:latin typeface="Arial Unicode MS"/>
                 <a:ea typeface="JetBrains Mono"/>
               </a:rPr>
-              <a:t>import serial</a:t>
-            </a:r>
-            <a:br>
-              <a:rPr kumimoji="0" lang="ko-KR" altLang="ko-KR" sz="1600" b="0" i="0" u="none" strike="noStrike" cap="none" normalizeH="0" baseline="0">
+              <a:t>import</a:t>
+            </a:r>
+            <a:r>
+              <a:rPr kumimoji="0" lang="ko-KR" altLang="ko-KR" sz="1600" b="0" i="0" u="none" strike="noStrike" cap="none" normalizeH="0" baseline="0" dirty="0">
                 <a:ln>
                   <a:noFill/>
                 </a:ln>
@@ -7318,9 +6895,10 @@
                 <a:latin typeface="Arial Unicode MS"/>
                 <a:ea typeface="JetBrains Mono"/>
               </a:rPr>
-            </a:br>
-            <a:r>
-              <a:rPr kumimoji="0" lang="ko-KR" altLang="ko-KR" sz="1600" b="0" i="0" u="none" strike="noStrike" cap="none" normalizeH="0" baseline="0">
+              <a:t> </a:t>
+            </a:r>
+            <a:r>
+              <a:rPr kumimoji="0" lang="ko-KR" altLang="ko-KR" sz="1600" b="0" i="0" u="none" strike="noStrike" cap="none" normalizeH="0" baseline="0" dirty="0" err="1">
                 <a:ln>
                   <a:noFill/>
                 </a:ln>
@@ -7328,10 +6906,10 @@
                 <a:latin typeface="Arial Unicode MS"/>
                 <a:ea typeface="JetBrains Mono"/>
               </a:rPr>
-              <a:t>import time</a:t>
+              <a:t>serial</a:t>
             </a:r>
             <a:br>
-              <a:rPr kumimoji="0" lang="ko-KR" altLang="ko-KR" sz="1600" b="0" i="0" u="none" strike="noStrike" cap="none" normalizeH="0" baseline="0">
+              <a:rPr kumimoji="0" lang="ko-KR" altLang="ko-KR" sz="1600" b="0" i="0" u="none" strike="noStrike" cap="none" normalizeH="0" baseline="0" dirty="0">
                 <a:ln>
                   <a:noFill/>
                 </a:ln>
@@ -7340,8 +6918,8 @@
                 <a:ea typeface="JetBrains Mono"/>
               </a:rPr>
             </a:br>
-            <a:br>
-              <a:rPr kumimoji="0" lang="ko-KR" altLang="ko-KR" sz="1600" b="0" i="0" u="none" strike="noStrike" cap="none" normalizeH="0" baseline="0">
+            <a:r>
+              <a:rPr kumimoji="0" lang="ko-KR" altLang="ko-KR" sz="1600" b="0" i="0" u="none" strike="noStrike" cap="none" normalizeH="0" baseline="0" dirty="0" err="1">
                 <a:ln>
                   <a:noFill/>
                 </a:ln>
@@ -7349,9 +6927,10 @@
                 <a:latin typeface="Arial Unicode MS"/>
                 <a:ea typeface="JetBrains Mono"/>
               </a:rPr>
-            </a:br>
-            <a:r>
-              <a:rPr kumimoji="0" lang="ko-KR" altLang="ko-KR" sz="1600" b="0" i="0" u="none" strike="noStrike" cap="none" normalizeH="0" baseline="0">
+              <a:t>import</a:t>
+            </a:r>
+            <a:r>
+              <a:rPr kumimoji="0" lang="ko-KR" altLang="ko-KR" sz="1600" b="0" i="0" u="none" strike="noStrike" cap="none" normalizeH="0" baseline="0" dirty="0">
                 <a:ln>
                   <a:noFill/>
                 </a:ln>
@@ -7359,10 +6938,10 @@
                 <a:latin typeface="Arial Unicode MS"/>
                 <a:ea typeface="JetBrains Mono"/>
               </a:rPr>
-              <a:t>py_serial=serial.Serial(port='com8',baudrate=9600)</a:t>
-            </a:r>
-            <a:br>
-              <a:rPr kumimoji="0" lang="ko-KR" altLang="ko-KR" sz="1600" b="0" i="0" u="none" strike="noStrike" cap="none" normalizeH="0" baseline="0">
+              <a:t> </a:t>
+            </a:r>
+            <a:r>
+              <a:rPr kumimoji="0" lang="ko-KR" altLang="ko-KR" sz="1600" b="0" i="0" u="none" strike="noStrike" cap="none" normalizeH="0" baseline="0" dirty="0" err="1">
                 <a:ln>
                   <a:noFill/>
                 </a:ln>
@@ -7370,9 +6949,10 @@
                 <a:latin typeface="Arial Unicode MS"/>
                 <a:ea typeface="JetBrains Mono"/>
               </a:rPr>
-            </a:br>
-            <a:r>
-              <a:rPr kumimoji="0" lang="ko-KR" altLang="ko-KR" sz="1600" b="0" i="0" u="none" strike="noStrike" cap="none" normalizeH="0" baseline="0">
+              <a:t>time</a:t>
+            </a:r>
+            <a:br>
+              <a:rPr kumimoji="0" lang="ko-KR" altLang="ko-KR" sz="1600" b="0" i="0" u="none" strike="noStrike" cap="none" normalizeH="0" baseline="0" dirty="0">
                 <a:ln>
                   <a:noFill/>
                 </a:ln>
@@ -7380,10 +6960,9 @@
                 <a:latin typeface="Arial Unicode MS"/>
                 <a:ea typeface="JetBrains Mono"/>
               </a:rPr>
-              <a:t>while True:</a:t>
-            </a:r>
-            <a:br>
-              <a:rPr kumimoji="0" lang="ko-KR" altLang="ko-KR" sz="1600" b="0" i="0" u="none" strike="noStrike" cap="none" normalizeH="0" baseline="0">
+            </a:br>
+            <a:r>
+              <a:rPr kumimoji="0" lang="ko-KR" altLang="ko-KR" sz="1600" b="0" i="0" u="none" strike="noStrike" cap="none" normalizeH="0" baseline="0" dirty="0" err="1">
                 <a:ln>
                   <a:noFill/>
                 </a:ln>
@@ -7391,9 +6970,10 @@
                 <a:latin typeface="Arial Unicode MS"/>
                 <a:ea typeface="JetBrains Mono"/>
               </a:rPr>
-            </a:br>
-            <a:r>
-              <a:rPr kumimoji="0" lang="ko-KR" altLang="ko-KR" sz="1600" b="0" i="0" u="none" strike="noStrike" cap="none" normalizeH="0" baseline="0">
+              <a:t>py_serial</a:t>
+            </a:r>
+            <a:r>
+              <a:rPr kumimoji="0" lang="ko-KR" altLang="ko-KR" sz="1600" b="0" i="0" u="none" strike="noStrike" cap="none" normalizeH="0" baseline="0" dirty="0">
                 <a:ln>
                   <a:noFill/>
                 </a:ln>
@@ -7401,10 +6981,173 @@
                 <a:latin typeface="Arial Unicode MS"/>
                 <a:ea typeface="JetBrains Mono"/>
               </a:rPr>
-              <a:t>    commend=input('</a:t>
-            </a:r>
-            <a:r>
-              <a:rPr kumimoji="0" lang="ko-KR" altLang="ko-KR" sz="1600" b="0" i="0" u="none" strike="noStrike" cap="none" normalizeH="0" baseline="0">
+              <a:t>=</a:t>
+            </a:r>
+            <a:r>
+              <a:rPr kumimoji="0" lang="ko-KR" altLang="ko-KR" sz="1600" b="0" i="0" u="none" strike="noStrike" cap="none" normalizeH="0" baseline="0" dirty="0" err="1">
+                <a:ln>
+                  <a:noFill/>
+                </a:ln>
+                <a:effectLst/>
+                <a:latin typeface="Arial Unicode MS"/>
+                <a:ea typeface="JetBrains Mono"/>
+              </a:rPr>
+              <a:t>serial.Serial</a:t>
+            </a:r>
+            <a:r>
+              <a:rPr kumimoji="0" lang="ko-KR" altLang="ko-KR" sz="1600" b="0" i="0" u="none" strike="noStrike" cap="none" normalizeH="0" baseline="0" dirty="0">
+                <a:ln>
+                  <a:noFill/>
+                </a:ln>
+                <a:effectLst/>
+                <a:latin typeface="Arial Unicode MS"/>
+                <a:ea typeface="JetBrains Mono"/>
+              </a:rPr>
+              <a:t>(</a:t>
+            </a:r>
+            <a:r>
+              <a:rPr kumimoji="0" lang="ko-KR" altLang="ko-KR" sz="1600" b="0" i="0" u="none" strike="noStrike" cap="none" normalizeH="0" baseline="0" dirty="0" err="1">
+                <a:ln>
+                  <a:noFill/>
+                </a:ln>
+                <a:effectLst/>
+                <a:latin typeface="Arial Unicode MS"/>
+                <a:ea typeface="JetBrains Mono"/>
+              </a:rPr>
+              <a:t>port</a:t>
+            </a:r>
+            <a:r>
+              <a:rPr kumimoji="0" lang="ko-KR" altLang="ko-KR" sz="1600" b="0" i="0" u="none" strike="noStrike" cap="none" normalizeH="0" baseline="0" dirty="0">
+                <a:ln>
+                  <a:noFill/>
+                </a:ln>
+                <a:effectLst/>
+                <a:latin typeface="Arial Unicode MS"/>
+                <a:ea typeface="JetBrains Mono"/>
+              </a:rPr>
+              <a:t>='COM8',baudrate=9600)</a:t>
+            </a:r>
+            <a:br>
+              <a:rPr kumimoji="0" lang="ko-KR" altLang="ko-KR" sz="1600" b="0" i="0" u="none" strike="noStrike" cap="none" normalizeH="0" baseline="0" dirty="0">
+                <a:ln>
+                  <a:noFill/>
+                </a:ln>
+                <a:effectLst/>
+                <a:latin typeface="Arial Unicode MS"/>
+                <a:ea typeface="JetBrains Mono"/>
+              </a:rPr>
+            </a:br>
+            <a:r>
+              <a:rPr kumimoji="0" lang="ko-KR" altLang="ko-KR" sz="1600" b="0" i="0" u="none" strike="noStrike" cap="none" normalizeH="0" baseline="0" dirty="0" err="1">
+                <a:ln>
+                  <a:noFill/>
+                </a:ln>
+                <a:effectLst/>
+                <a:latin typeface="Arial Unicode MS"/>
+                <a:ea typeface="JetBrains Mono"/>
+              </a:rPr>
+              <a:t>while</a:t>
+            </a:r>
+            <a:r>
+              <a:rPr kumimoji="0" lang="ko-KR" altLang="ko-KR" sz="1600" b="0" i="0" u="none" strike="noStrike" cap="none" normalizeH="0" baseline="0" dirty="0">
+                <a:ln>
+                  <a:noFill/>
+                </a:ln>
+                <a:effectLst/>
+                <a:latin typeface="Arial Unicode MS"/>
+                <a:ea typeface="JetBrains Mono"/>
+              </a:rPr>
+              <a:t> </a:t>
+            </a:r>
+            <a:r>
+              <a:rPr kumimoji="0" lang="ko-KR" altLang="ko-KR" sz="1600" b="0" i="0" u="none" strike="noStrike" cap="none" normalizeH="0" baseline="0" dirty="0" err="1">
+                <a:ln>
+                  <a:noFill/>
+                </a:ln>
+                <a:effectLst/>
+                <a:latin typeface="Arial Unicode MS"/>
+                <a:ea typeface="JetBrains Mono"/>
+              </a:rPr>
+              <a:t>True</a:t>
+            </a:r>
+            <a:r>
+              <a:rPr kumimoji="0" lang="ko-KR" altLang="ko-KR" sz="1600" b="0" i="0" u="none" strike="noStrike" cap="none" normalizeH="0" baseline="0" dirty="0">
+                <a:ln>
+                  <a:noFill/>
+                </a:ln>
+                <a:effectLst/>
+                <a:latin typeface="Arial Unicode MS"/>
+                <a:ea typeface="JetBrains Mono"/>
+              </a:rPr>
+              <a:t>:</a:t>
+            </a:r>
+            <a:br>
+              <a:rPr kumimoji="0" lang="ko-KR" altLang="ko-KR" sz="1600" b="0" i="0" u="none" strike="noStrike" cap="none" normalizeH="0" baseline="0" dirty="0">
+                <a:ln>
+                  <a:noFill/>
+                </a:ln>
+                <a:effectLst/>
+                <a:latin typeface="Arial Unicode MS"/>
+                <a:ea typeface="JetBrains Mono"/>
+              </a:rPr>
+            </a:br>
+            <a:r>
+              <a:rPr kumimoji="0" lang="ko-KR" altLang="ko-KR" sz="1600" b="0" i="0" u="none" strike="noStrike" cap="none" normalizeH="0" baseline="0" dirty="0">
+                <a:ln>
+                  <a:noFill/>
+                </a:ln>
+                <a:effectLst/>
+                <a:latin typeface="Arial Unicode MS"/>
+                <a:ea typeface="JetBrains Mono"/>
+              </a:rPr>
+              <a:t>    </a:t>
+            </a:r>
+            <a:r>
+              <a:rPr kumimoji="0" lang="ko-KR" altLang="ko-KR" sz="1600" b="0" i="0" u="none" strike="noStrike" cap="none" normalizeH="0" baseline="0" dirty="0" err="1">
+                <a:ln>
+                  <a:noFill/>
+                </a:ln>
+                <a:effectLst/>
+                <a:latin typeface="Arial Unicode MS"/>
+                <a:ea typeface="JetBrains Mono"/>
+              </a:rPr>
+              <a:t>commend</a:t>
+            </a:r>
+            <a:r>
+              <a:rPr kumimoji="0" lang="ko-KR" altLang="ko-KR" sz="1600" b="0" i="0" u="none" strike="noStrike" cap="none" normalizeH="0" baseline="0" dirty="0">
+                <a:ln>
+                  <a:noFill/>
+                </a:ln>
+                <a:effectLst/>
+                <a:latin typeface="Arial Unicode MS"/>
+                <a:ea typeface="JetBrains Mono"/>
+              </a:rPr>
+              <a:t>=</a:t>
+            </a:r>
+            <a:r>
+              <a:rPr kumimoji="0" lang="ko-KR" altLang="ko-KR" sz="1600" b="0" i="0" u="none" strike="noStrike" cap="none" normalizeH="0" baseline="0" dirty="0" err="1">
+                <a:ln>
+                  <a:noFill/>
+                </a:ln>
+                <a:effectLst/>
+                <a:latin typeface="Arial Unicode MS"/>
+                <a:ea typeface="JetBrains Mono"/>
+              </a:rPr>
+              <a:t>input</a:t>
+            </a:r>
+            <a:r>
+              <a:rPr kumimoji="0" lang="ko-KR" altLang="ko-KR" sz="1600" b="0" i="0" u="none" strike="noStrike" cap="none" normalizeH="0" baseline="0" dirty="0">
+                <a:ln>
+                  <a:noFill/>
+                </a:ln>
+                <a:effectLst/>
+                <a:latin typeface="Arial Unicode MS"/>
+                <a:ea typeface="JetBrains Mono"/>
+              </a:rPr>
+              <a:t>('</a:t>
+            </a:r>
+            <a:r>
+              <a:rPr kumimoji="0" lang="ko-KR" altLang="ko-KR" sz="1600" b="0" i="0" u="none" strike="noStrike" cap="none" normalizeH="0" baseline="0" dirty="0">
                 <a:ln>
                   <a:noFill/>
                 </a:ln>
@@ -7412,10 +7155,10 @@
                 <a:latin typeface="맑은 고딕" panose="020B0503020000020004" pitchFamily="50" charset="-127"/>
                 <a:ea typeface="맑은 고딕" panose="020B0503020000020004" pitchFamily="50" charset="-127"/>
               </a:rPr>
-              <a:t>전송할 글자 입력</a:t>
-            </a:r>
-            <a:r>
-              <a:rPr kumimoji="0" lang="ko-KR" altLang="ko-KR" sz="1600" b="0" i="0" u="none" strike="noStrike" cap="none" normalizeH="0" baseline="0">
+              <a:t>내릴 명령</a:t>
+            </a:r>
+            <a:r>
+              <a:rPr kumimoji="0" lang="ko-KR" altLang="ko-KR" sz="1600" b="0" i="0" u="none" strike="noStrike" cap="none" normalizeH="0" baseline="0" dirty="0">
                 <a:ln>
                   <a:noFill/>
                 </a:ln>
@@ -7426,7 +7169,7 @@
               <a:t>')</a:t>
             </a:r>
             <a:br>
-              <a:rPr kumimoji="0" lang="ko-KR" altLang="ko-KR" sz="1600" b="0" i="0" u="none" strike="noStrike" cap="none" normalizeH="0" baseline="0">
+              <a:rPr kumimoji="0" lang="ko-KR" altLang="ko-KR" sz="1600" b="0" i="0" u="none" strike="noStrike" cap="none" normalizeH="0" baseline="0" dirty="0">
                 <a:ln>
                   <a:noFill/>
                 </a:ln>
@@ -7436,7 +7179,7 @@
               </a:rPr>
             </a:br>
             <a:r>
-              <a:rPr kumimoji="0" lang="ko-KR" altLang="ko-KR" sz="1600" b="0" i="0" u="none" strike="noStrike" cap="none" normalizeH="0" baseline="0">
+              <a:rPr kumimoji="0" lang="ko-KR" altLang="ko-KR" sz="1600" b="0" i="0" u="none" strike="noStrike" cap="none" normalizeH="0" baseline="0" dirty="0">
                 <a:ln>
                   <a:noFill/>
                 </a:ln>
@@ -7444,10 +7187,10 @@
                 <a:latin typeface="Arial Unicode MS"/>
                 <a:ea typeface="JetBrains Mono"/>
               </a:rPr>
-              <a:t>    py_serial.write(commend.encode())</a:t>
-            </a:r>
-            <a:br>
-              <a:rPr kumimoji="0" lang="ko-KR" altLang="ko-KR" sz="1600" b="0" i="0" u="none" strike="noStrike" cap="none" normalizeH="0" baseline="0">
+              <a:t>    </a:t>
+            </a:r>
+            <a:r>
+              <a:rPr kumimoji="0" lang="ko-KR" altLang="ko-KR" sz="1600" b="0" i="0" u="none" strike="noStrike" cap="none" normalizeH="0" baseline="0" dirty="0" err="1">
                 <a:ln>
                   <a:noFill/>
                 </a:ln>
@@ -7455,9 +7198,10 @@
                 <a:latin typeface="Arial Unicode MS"/>
                 <a:ea typeface="JetBrains Mono"/>
               </a:rPr>
-            </a:br>
-            <a:r>
-              <a:rPr kumimoji="0" lang="ko-KR" altLang="ko-KR" sz="1600" b="0" i="0" u="none" strike="noStrike" cap="none" normalizeH="0" baseline="0">
+              <a:t>py_serial.write</a:t>
+            </a:r>
+            <a:r>
+              <a:rPr kumimoji="0" lang="ko-KR" altLang="ko-KR" sz="1600" b="0" i="0" u="none" strike="noStrike" cap="none" normalizeH="0" baseline="0" dirty="0">
                 <a:ln>
                   <a:noFill/>
                 </a:ln>
@@ -7465,10 +7209,10 @@
                 <a:latin typeface="Arial Unicode MS"/>
                 <a:ea typeface="JetBrains Mono"/>
               </a:rPr>
-              <a:t>    time.sleep(0.1)</a:t>
-            </a:r>
-            <a:br>
-              <a:rPr kumimoji="0" lang="ko-KR" altLang="ko-KR" sz="1600" b="0" i="0" u="none" strike="noStrike" cap="none" normalizeH="0" baseline="0">
+              <a:t>(</a:t>
+            </a:r>
+            <a:r>
+              <a:rPr kumimoji="0" lang="ko-KR" altLang="ko-KR" sz="1600" b="0" i="0" u="none" strike="noStrike" cap="none" normalizeH="0" baseline="0" dirty="0" err="1">
                 <a:ln>
                   <a:noFill/>
                 </a:ln>
@@ -7476,9 +7220,10 @@
                 <a:latin typeface="Arial Unicode MS"/>
                 <a:ea typeface="JetBrains Mono"/>
               </a:rPr>
-            </a:br>
-            <a:r>
-              <a:rPr kumimoji="0" lang="ko-KR" altLang="ko-KR" sz="1600" b="0" i="0" u="none" strike="noStrike" cap="none" normalizeH="0" baseline="0">
+              <a:t>commend.encode</a:t>
+            </a:r>
+            <a:r>
+              <a:rPr kumimoji="0" lang="ko-KR" altLang="ko-KR" sz="1600" b="0" i="0" u="none" strike="noStrike" cap="none" normalizeH="0" baseline="0" dirty="0">
                 <a:ln>
                   <a:noFill/>
                 </a:ln>
@@ -7486,10 +7231,10 @@
                 <a:latin typeface="Arial Unicode MS"/>
                 <a:ea typeface="JetBrains Mono"/>
               </a:rPr>
-              <a:t>    if py_serial.readable():</a:t>
+              <a:t>())</a:t>
             </a:r>
             <a:br>
-              <a:rPr kumimoji="0" lang="ko-KR" altLang="ko-KR" sz="1600" b="0" i="0" u="none" strike="noStrike" cap="none" normalizeH="0" baseline="0">
+              <a:rPr kumimoji="0" lang="ko-KR" altLang="ko-KR" sz="1600" b="0" i="0" u="none" strike="noStrike" cap="none" normalizeH="0" baseline="0" dirty="0">
                 <a:ln>
                   <a:noFill/>
                 </a:ln>
@@ -7499,7 +7244,7 @@
               </a:rPr>
             </a:br>
             <a:r>
-              <a:rPr kumimoji="0" lang="ko-KR" altLang="ko-KR" sz="1600" b="0" i="0" u="none" strike="noStrike" cap="none" normalizeH="0" baseline="0">
+              <a:rPr kumimoji="0" lang="ko-KR" altLang="ko-KR" sz="1600" b="0" i="0" u="none" strike="noStrike" cap="none" normalizeH="0" baseline="0" dirty="0">
                 <a:ln>
                   <a:noFill/>
                 </a:ln>
@@ -7507,10 +7252,10 @@
                 <a:latin typeface="Arial Unicode MS"/>
                 <a:ea typeface="JetBrains Mono"/>
               </a:rPr>
-              <a:t>        st1=py_serial.readline()</a:t>
-            </a:r>
-            <a:br>
-              <a:rPr kumimoji="0" lang="ko-KR" altLang="ko-KR" sz="1600" b="0" i="0" u="none" strike="noStrike" cap="none" normalizeH="0" baseline="0">
+              <a:t>    </a:t>
+            </a:r>
+            <a:r>
+              <a:rPr kumimoji="0" lang="ko-KR" altLang="ko-KR" sz="1600" b="0" i="0" u="none" strike="noStrike" cap="none" normalizeH="0" baseline="0" dirty="0" err="1">
                 <a:ln>
                   <a:noFill/>
                 </a:ln>
@@ -7518,9 +7263,10 @@
                 <a:latin typeface="Arial Unicode MS"/>
                 <a:ea typeface="JetBrains Mono"/>
               </a:rPr>
-            </a:br>
-            <a:r>
-              <a:rPr kumimoji="0" lang="ko-KR" altLang="ko-KR" sz="1600" b="0" i="0" u="none" strike="noStrike" cap="none" normalizeH="0" baseline="0">
+              <a:t>time.sleep</a:t>
+            </a:r>
+            <a:r>
+              <a:rPr kumimoji="0" lang="ko-KR" altLang="ko-KR" sz="1600" b="0" i="0" u="none" strike="noStrike" cap="none" normalizeH="0" baseline="0" dirty="0">
                 <a:ln>
                   <a:noFill/>
                 </a:ln>
@@ -7528,12 +7274,289 @@
                 <a:latin typeface="Arial Unicode MS"/>
                 <a:ea typeface="JetBrains Mono"/>
               </a:rPr>
-              <a:t>        print(st1[:len(st1)-1].decode())</a:t>
-            </a:r>
-            <a:endParaRPr kumimoji="0" lang="ko-KR" altLang="ko-KR" sz="4000" b="0" i="0" u="none" strike="noStrike" cap="none" normalizeH="0" baseline="0">
+              <a:t>(0.1)</a:t>
+            </a:r>
+            <a:br>
+              <a:rPr kumimoji="0" lang="ko-KR" altLang="ko-KR" sz="1600" b="0" i="0" u="none" strike="noStrike" cap="none" normalizeH="0" baseline="0" dirty="0">
+                <a:ln>
+                  <a:noFill/>
+                </a:ln>
+                <a:effectLst/>
+                <a:latin typeface="Arial Unicode MS"/>
+                <a:ea typeface="JetBrains Mono"/>
+              </a:rPr>
+            </a:br>
+            <a:r>
+              <a:rPr kumimoji="0" lang="ko-KR" altLang="ko-KR" sz="1600" b="0" i="0" u="none" strike="noStrike" cap="none" normalizeH="0" baseline="0" dirty="0">
+                <a:ln>
+                  <a:noFill/>
+                </a:ln>
+                <a:effectLst/>
+                <a:latin typeface="Arial Unicode MS"/>
+                <a:ea typeface="JetBrains Mono"/>
+              </a:rPr>
+              <a:t>    </a:t>
+            </a:r>
+            <a:r>
+              <a:rPr kumimoji="0" lang="ko-KR" altLang="ko-KR" sz="1600" b="0" i="0" u="none" strike="noStrike" cap="none" normalizeH="0" baseline="0" dirty="0" err="1">
+                <a:ln>
+                  <a:noFill/>
+                </a:ln>
+                <a:effectLst/>
+                <a:latin typeface="Arial Unicode MS"/>
+                <a:ea typeface="JetBrains Mono"/>
+              </a:rPr>
+              <a:t>if</a:t>
+            </a:r>
+            <a:r>
+              <a:rPr kumimoji="0" lang="ko-KR" altLang="ko-KR" sz="1600" b="0" i="0" u="none" strike="noStrike" cap="none" normalizeH="0" baseline="0" dirty="0">
+                <a:ln>
+                  <a:noFill/>
+                </a:ln>
+                <a:effectLst/>
+                <a:latin typeface="Arial Unicode MS"/>
+                <a:ea typeface="JetBrains Mono"/>
+              </a:rPr>
+              <a:t> </a:t>
+            </a:r>
+            <a:r>
+              <a:rPr kumimoji="0" lang="ko-KR" altLang="ko-KR" sz="1600" b="0" i="0" u="none" strike="noStrike" cap="none" normalizeH="0" baseline="0" dirty="0" err="1">
+                <a:ln>
+                  <a:noFill/>
+                </a:ln>
+                <a:effectLst/>
+                <a:latin typeface="Arial Unicode MS"/>
+                <a:ea typeface="JetBrains Mono"/>
+              </a:rPr>
+              <a:t>py_serial.readable</a:t>
+            </a:r>
+            <a:r>
+              <a:rPr kumimoji="0" lang="ko-KR" altLang="ko-KR" sz="1600" b="0" i="0" u="none" strike="noStrike" cap="none" normalizeH="0" baseline="0" dirty="0">
+                <a:ln>
+                  <a:noFill/>
+                </a:ln>
+                <a:effectLst/>
+                <a:latin typeface="Arial Unicode MS"/>
+                <a:ea typeface="JetBrains Mono"/>
+              </a:rPr>
+              <a:t>():</a:t>
+            </a:r>
+            <a:br>
+              <a:rPr kumimoji="0" lang="ko-KR" altLang="ko-KR" sz="1600" b="0" i="0" u="none" strike="noStrike" cap="none" normalizeH="0" baseline="0" dirty="0">
+                <a:ln>
+                  <a:noFill/>
+                </a:ln>
+                <a:effectLst/>
+                <a:latin typeface="Arial Unicode MS"/>
+                <a:ea typeface="JetBrains Mono"/>
+              </a:rPr>
+            </a:br>
+            <a:r>
+              <a:rPr kumimoji="0" lang="ko-KR" altLang="ko-KR" sz="1600" b="0" i="0" u="none" strike="noStrike" cap="none" normalizeH="0" baseline="0" dirty="0">
+                <a:ln>
+                  <a:noFill/>
+                </a:ln>
+                <a:effectLst/>
+                <a:latin typeface="Arial Unicode MS"/>
+                <a:ea typeface="JetBrains Mono"/>
+              </a:rPr>
+              <a:t>        </a:t>
+            </a:r>
+            <a:r>
+              <a:rPr kumimoji="0" lang="ko-KR" altLang="ko-KR" sz="1600" b="0" i="0" u="none" strike="noStrike" cap="none" normalizeH="0" baseline="0" dirty="0" err="1">
+                <a:ln>
+                  <a:noFill/>
+                </a:ln>
+                <a:effectLst/>
+                <a:latin typeface="Arial Unicode MS"/>
+                <a:ea typeface="JetBrains Mono"/>
+              </a:rPr>
+              <a:t>response</a:t>
+            </a:r>
+            <a:r>
+              <a:rPr kumimoji="0" lang="ko-KR" altLang="ko-KR" sz="1600" b="0" i="0" u="none" strike="noStrike" cap="none" normalizeH="0" baseline="0" dirty="0">
+                <a:ln>
+                  <a:noFill/>
+                </a:ln>
+                <a:effectLst/>
+                <a:latin typeface="Arial Unicode MS"/>
+                <a:ea typeface="JetBrains Mono"/>
+              </a:rPr>
+              <a:t>=</a:t>
+            </a:r>
+            <a:r>
+              <a:rPr kumimoji="0" lang="ko-KR" altLang="ko-KR" sz="1600" b="0" i="0" u="none" strike="noStrike" cap="none" normalizeH="0" baseline="0" dirty="0" err="1">
+                <a:ln>
+                  <a:noFill/>
+                </a:ln>
+                <a:effectLst/>
+                <a:latin typeface="Arial Unicode MS"/>
+                <a:ea typeface="JetBrains Mono"/>
+              </a:rPr>
+              <a:t>py_serial.readline</a:t>
+            </a:r>
+            <a:r>
+              <a:rPr kumimoji="0" lang="ko-KR" altLang="ko-KR" sz="1600" b="0" i="0" u="none" strike="noStrike" cap="none" normalizeH="0" baseline="0" dirty="0">
+                <a:ln>
+                  <a:noFill/>
+                </a:ln>
+                <a:effectLst/>
+                <a:latin typeface="Arial Unicode MS"/>
+                <a:ea typeface="JetBrains Mono"/>
+              </a:rPr>
+              <a:t>()</a:t>
+            </a:r>
+            <a:br>
+              <a:rPr kumimoji="0" lang="ko-KR" altLang="ko-KR" sz="1600" b="0" i="0" u="none" strike="noStrike" cap="none" normalizeH="0" baseline="0" dirty="0">
+                <a:ln>
+                  <a:noFill/>
+                </a:ln>
+                <a:effectLst/>
+                <a:latin typeface="Arial Unicode MS"/>
+                <a:ea typeface="JetBrains Mono"/>
+              </a:rPr>
+            </a:br>
+            <a:r>
+              <a:rPr kumimoji="0" lang="ko-KR" altLang="ko-KR" sz="1600" b="0" i="0" u="none" strike="noStrike" cap="none" normalizeH="0" baseline="0" dirty="0">
+                <a:ln>
+                  <a:noFill/>
+                </a:ln>
+                <a:effectLst/>
+                <a:latin typeface="Arial Unicode MS"/>
+                <a:ea typeface="JetBrains Mono"/>
+              </a:rPr>
+              <a:t>        </a:t>
+            </a:r>
+            <a:r>
+              <a:rPr kumimoji="0" lang="ko-KR" altLang="ko-KR" sz="1600" b="0" i="0" u="none" strike="noStrike" cap="none" normalizeH="0" baseline="0" dirty="0" err="1">
+                <a:ln>
+                  <a:noFill/>
+                </a:ln>
+                <a:effectLst/>
+                <a:latin typeface="Arial Unicode MS"/>
+                <a:ea typeface="JetBrains Mono"/>
+              </a:rPr>
+              <a:t>print</a:t>
+            </a:r>
+            <a:r>
+              <a:rPr kumimoji="0" lang="ko-KR" altLang="ko-KR" sz="1600" b="0" i="0" u="none" strike="noStrike" cap="none" normalizeH="0" baseline="0" dirty="0">
+                <a:ln>
+                  <a:noFill/>
+                </a:ln>
+                <a:effectLst/>
+                <a:latin typeface="Arial Unicode MS"/>
+                <a:ea typeface="JetBrains Mono"/>
+              </a:rPr>
+              <a:t>(</a:t>
+            </a:r>
+            <a:r>
+              <a:rPr kumimoji="0" lang="ko-KR" altLang="ko-KR" sz="1600" b="0" i="0" u="none" strike="noStrike" cap="none" normalizeH="0" baseline="0" dirty="0" err="1">
+                <a:ln>
+                  <a:noFill/>
+                </a:ln>
+                <a:effectLst/>
+                <a:latin typeface="Arial Unicode MS"/>
+                <a:ea typeface="JetBrains Mono"/>
+              </a:rPr>
+              <a:t>response</a:t>
+            </a:r>
+            <a:r>
+              <a:rPr kumimoji="0" lang="ko-KR" altLang="ko-KR" sz="1600" b="0" i="0" u="none" strike="noStrike" cap="none" normalizeH="0" baseline="0" dirty="0">
+                <a:ln>
+                  <a:noFill/>
+                </a:ln>
+                <a:effectLst/>
+                <a:latin typeface="Arial Unicode MS"/>
+                <a:ea typeface="JetBrains Mono"/>
+              </a:rPr>
+              <a:t>[:</a:t>
+            </a:r>
+            <a:r>
+              <a:rPr kumimoji="0" lang="ko-KR" altLang="ko-KR" sz="1600" b="0" i="0" u="none" strike="noStrike" cap="none" normalizeH="0" baseline="0" dirty="0" err="1">
+                <a:ln>
+                  <a:noFill/>
+                </a:ln>
+                <a:effectLst/>
+                <a:latin typeface="Arial Unicode MS"/>
+                <a:ea typeface="JetBrains Mono"/>
+              </a:rPr>
+              <a:t>len</a:t>
+            </a:r>
+            <a:r>
+              <a:rPr kumimoji="0" lang="ko-KR" altLang="ko-KR" sz="1600" b="0" i="0" u="none" strike="noStrike" cap="none" normalizeH="0" baseline="0" dirty="0">
+                <a:ln>
+                  <a:noFill/>
+                </a:ln>
+                <a:effectLst/>
+                <a:latin typeface="Arial Unicode MS"/>
+                <a:ea typeface="JetBrains Mono"/>
+              </a:rPr>
+              <a:t>(</a:t>
+            </a:r>
+            <a:r>
+              <a:rPr kumimoji="0" lang="ko-KR" altLang="ko-KR" sz="1600" b="0" i="0" u="none" strike="noStrike" cap="none" normalizeH="0" baseline="0" dirty="0" err="1">
+                <a:ln>
+                  <a:noFill/>
+                </a:ln>
+                <a:effectLst/>
+                <a:latin typeface="Arial Unicode MS"/>
+                <a:ea typeface="JetBrains Mono"/>
+              </a:rPr>
+              <a:t>response</a:t>
+            </a:r>
+            <a:r>
+              <a:rPr kumimoji="0" lang="ko-KR" altLang="ko-KR" sz="1600" b="0" i="0" u="none" strike="noStrike" cap="none" normalizeH="0" baseline="0" dirty="0">
+                <a:ln>
+                  <a:noFill/>
+                </a:ln>
+                <a:effectLst/>
+                <a:latin typeface="Arial Unicode MS"/>
+                <a:ea typeface="JetBrains Mono"/>
+              </a:rPr>
+              <a:t>)-1].</a:t>
+            </a:r>
+            <a:r>
+              <a:rPr kumimoji="0" lang="ko-KR" altLang="ko-KR" sz="1600" b="0" i="0" u="none" strike="noStrike" cap="none" normalizeH="0" baseline="0" dirty="0" err="1">
+                <a:ln>
+                  <a:noFill/>
+                </a:ln>
+                <a:effectLst/>
+                <a:latin typeface="Arial Unicode MS"/>
+                <a:ea typeface="JetBrains Mono"/>
+              </a:rPr>
+              <a:t>decode</a:t>
+            </a:r>
+            <a:r>
+              <a:rPr kumimoji="0" lang="ko-KR" altLang="ko-KR" sz="1600" b="0" i="0" u="none" strike="noStrike" cap="none" normalizeH="0" baseline="0" dirty="0">
+                <a:ln>
+                  <a:noFill/>
+                </a:ln>
+                <a:effectLst/>
+                <a:latin typeface="Arial Unicode MS"/>
+                <a:ea typeface="JetBrains Mono"/>
+              </a:rPr>
+              <a:t>())</a:t>
+            </a:r>
+            <a:br>
+              <a:rPr kumimoji="0" lang="ko-KR" altLang="ko-KR" sz="1600" b="0" i="0" u="none" strike="noStrike" cap="none" normalizeH="0" baseline="0" dirty="0">
+                <a:ln>
+                  <a:noFill/>
+                </a:ln>
+                <a:solidFill>
+                  <a:srgbClr val="BCBEC4"/>
+                </a:solidFill>
+                <a:effectLst/>
+                <a:latin typeface="Arial Unicode MS"/>
+                <a:ea typeface="JetBrains Mono"/>
+              </a:rPr>
+            </a:br>
+            <a:endParaRPr kumimoji="0" lang="ko-KR" altLang="ko-KR" sz="4000" b="0" i="0" u="none" strike="noStrike" cap="none" normalizeH="0" baseline="0" dirty="0">
               <a:ln>
                 <a:noFill/>
               </a:ln>
+              <a:solidFill>
+                <a:schemeClr val="tx1"/>
+              </a:solidFill>
               <a:effectLst/>
               <a:latin typeface="Arial" panose="020B0604020202020204" pitchFamily="34" charset="0"/>
             </a:endParaRPr>
@@ -7543,7 +7566,7 @@
     </p:spTree>
     <p:extLst>
       <p:ext uri="{BB962C8B-B14F-4D97-AF65-F5344CB8AC3E}">
-        <p14:creationId xmlns:p14="http://schemas.microsoft.com/office/powerpoint/2010/main" val="4182150535"/>
+        <p14:creationId xmlns:p14="http://schemas.microsoft.com/office/powerpoint/2010/main" val="2428202147"/>
       </p:ext>
     </p:extLst>
   </p:cSld>
@@ -7575,7 +7598,7 @@
           <p:cNvPr id="3" name="텍스트 개체 틀 2">
             <a:extLst>
               <a:ext uri="{FF2B5EF4-FFF2-40B4-BE49-F238E27FC236}">
-                <a16:creationId xmlns:a16="http://schemas.microsoft.com/office/drawing/2014/main" id="{624954C4-2E32-42B6-B6BB-4A054E4D991A}"/>
+                <a16:creationId xmlns:a16="http://schemas.microsoft.com/office/drawing/2014/main" id="{8B10A804-59C5-45F8-92DF-DAB4258305F8}"/>
               </a:ext>
             </a:extLst>
           </p:cNvPr>
@@ -7592,91 +7615,331 @@
           <a:lstStyle/>
           <a:p>
             <a:r>
+              <a:rPr lang="ko-KR" altLang="en-US" dirty="0" err="1"/>
+              <a:t>아두이노</a:t>
+            </a:r>
+            <a:r>
               <a:rPr lang="ko-KR" altLang="en-US" dirty="0"/>
-              <a:t>연습문제</a:t>
-            </a:r>
-          </a:p>
-        </p:txBody>
-      </p:sp>
-      <p:sp>
-        <p:nvSpPr>
-          <p:cNvPr id="4" name="TextBox 3">
-            <a:extLst>
-              <a:ext uri="{FF2B5EF4-FFF2-40B4-BE49-F238E27FC236}">
-                <a16:creationId xmlns:a16="http://schemas.microsoft.com/office/drawing/2014/main" id="{594DAA24-B619-45C6-AAD5-52FCAC4AAC13}"/>
-              </a:ext>
-            </a:extLst>
-          </p:cNvPr>
-          <p:cNvSpPr txBox="1"/>
+              <a:t> 제작</a:t>
+            </a:r>
+          </a:p>
+        </p:txBody>
+      </p:sp>
+      <p:sp>
+        <p:nvSpPr>
+          <p:cNvPr id="4" name="직사각형 3">
+            <a:extLst>
+              <a:ext uri="{FF2B5EF4-FFF2-40B4-BE49-F238E27FC236}">
+                <a16:creationId xmlns:a16="http://schemas.microsoft.com/office/drawing/2014/main" id="{801E8B98-50BB-464D-A998-6EB1D98FE962}"/>
+              </a:ext>
+            </a:extLst>
+          </p:cNvPr>
+          <p:cNvSpPr/>
           <p:nvPr/>
         </p:nvSpPr>
         <p:spPr>
           <a:xfrm>
-            <a:off x="466049" y="1203468"/>
-            <a:ext cx="7468711" cy="369332"/>
+            <a:off x="359834" y="904875"/>
+            <a:ext cx="6096000" cy="6001643"/>
           </a:xfrm>
           <a:prstGeom prst="rect">
             <a:avLst/>
           </a:prstGeom>
-          <a:noFill/>
         </p:spPr>
         <p:txBody>
-          <a:bodyPr wrap="none" rtlCol="0">
+          <a:bodyPr>
             <a:spAutoFit/>
           </a:bodyPr>
           <a:lstStyle/>
           <a:p>
             <a:r>
-              <a:rPr lang="en-US" altLang="ko-KR" dirty="0"/>
-              <a:t>ON</a:t>
-            </a:r>
-            <a:r>
-              <a:rPr lang="ko-KR" altLang="en-US" dirty="0"/>
-              <a:t>을</a:t>
-            </a:r>
-            <a:r>
-              <a:rPr lang="en-US" altLang="ko-KR" dirty="0"/>
+              <a:rPr lang="ko-KR" altLang="en-US" sz="1600" dirty="0"/>
+              <a:t>#</a:t>
+            </a:r>
+            <a:r>
+              <a:rPr lang="ko-KR" altLang="en-US" sz="1600" dirty="0" err="1"/>
+              <a:t>include</a:t>
+            </a:r>
+            <a:r>
+              <a:rPr lang="ko-KR" altLang="en-US" sz="1600" dirty="0"/>
+              <a:t> &lt;LiquidCrystal_I2C.h&gt;</a:t>
+            </a:r>
+          </a:p>
+          <a:p>
+            <a:endParaRPr lang="ko-KR" altLang="en-US" sz="1600" dirty="0"/>
+          </a:p>
+          <a:p>
+            <a:r>
+              <a:rPr lang="ko-KR" altLang="en-US" sz="1600" dirty="0"/>
+              <a:t>LiquidCrystal_I2C </a:t>
+            </a:r>
+            <a:r>
+              <a:rPr lang="ko-KR" altLang="en-US" sz="1600" dirty="0" err="1"/>
+              <a:t>lcd</a:t>
+            </a:r>
+            <a:r>
+              <a:rPr lang="ko-KR" altLang="en-US" sz="1600" dirty="0"/>
+              <a:t>(0x27,16,2);</a:t>
+            </a:r>
+          </a:p>
+          <a:p>
+            <a:r>
+              <a:rPr lang="ko-KR" altLang="en-US" sz="1600" dirty="0" err="1"/>
+              <a:t>String</a:t>
+            </a:r>
+            <a:r>
+              <a:rPr lang="ko-KR" altLang="en-US" sz="1600" dirty="0"/>
               <a:t> </a:t>
             </a:r>
             <a:r>
-              <a:rPr lang="ko-KR" altLang="en-US" dirty="0" err="1"/>
-              <a:t>입력받으면</a:t>
-            </a:r>
-            <a:r>
-              <a:rPr lang="ko-KR" altLang="en-US" dirty="0"/>
+              <a:rPr lang="ko-KR" altLang="en-US" sz="1600" dirty="0" err="1"/>
+              <a:t>cmd</a:t>
+            </a:r>
+            <a:r>
+              <a:rPr lang="ko-KR" altLang="en-US" sz="1600" dirty="0"/>
+              <a:t>;</a:t>
+            </a:r>
+          </a:p>
+          <a:p>
+            <a:r>
+              <a:rPr lang="ko-KR" altLang="en-US" sz="1600" dirty="0" err="1"/>
+              <a:t>void</a:t>
+            </a:r>
+            <a:r>
+              <a:rPr lang="ko-KR" altLang="en-US" sz="1600" dirty="0"/>
               <a:t> </a:t>
             </a:r>
             <a:r>
-              <a:rPr lang="en-US" altLang="ko-KR" dirty="0"/>
-              <a:t>LED</a:t>
-            </a:r>
-            <a:r>
-              <a:rPr lang="ko-KR" altLang="en-US" dirty="0"/>
-              <a:t>가 켜지고 </a:t>
-            </a:r>
-            <a:r>
-              <a:rPr lang="en-US" altLang="ko-KR" dirty="0"/>
-              <a:t>OFF</a:t>
-            </a:r>
-            <a:r>
-              <a:rPr lang="ko-KR" altLang="en-US" dirty="0"/>
-              <a:t>를 </a:t>
-            </a:r>
-            <a:r>
-              <a:rPr lang="ko-KR" altLang="en-US" dirty="0" err="1"/>
-              <a:t>입력받으면</a:t>
-            </a:r>
-            <a:r>
-              <a:rPr lang="ko-KR" altLang="en-US" dirty="0"/>
+              <a:rPr lang="ko-KR" altLang="en-US" sz="1600" dirty="0" err="1"/>
+              <a:t>setup</a:t>
+            </a:r>
+            <a:r>
+              <a:rPr lang="ko-KR" altLang="en-US" sz="1600" dirty="0"/>
+              <a:t>()</a:t>
+            </a:r>
+          </a:p>
+          <a:p>
+            <a:r>
+              <a:rPr lang="ko-KR" altLang="en-US" sz="1600" dirty="0"/>
+              <a:t>{</a:t>
+            </a:r>
+          </a:p>
+          <a:p>
+            <a:r>
+              <a:rPr lang="ko-KR" altLang="en-US" sz="1600" dirty="0"/>
+              <a:t>  </a:t>
+            </a:r>
+            <a:r>
+              <a:rPr lang="ko-KR" altLang="en-US" sz="1600" dirty="0" err="1"/>
+              <a:t>Serial.begin</a:t>
+            </a:r>
+            <a:r>
+              <a:rPr lang="ko-KR" altLang="en-US" sz="1600" dirty="0"/>
+              <a:t>(9600);</a:t>
+            </a:r>
+          </a:p>
+          <a:p>
+            <a:r>
+              <a:rPr lang="ko-KR" altLang="en-US" sz="1600" dirty="0"/>
+              <a:t>  </a:t>
+            </a:r>
+            <a:r>
+              <a:rPr lang="ko-KR" altLang="en-US" sz="1600" dirty="0" err="1"/>
+              <a:t>lcd.init</a:t>
+            </a:r>
+            <a:r>
+              <a:rPr lang="ko-KR" altLang="en-US" sz="1600" dirty="0"/>
+              <a:t>();</a:t>
+            </a:r>
+          </a:p>
+          <a:p>
+            <a:r>
+              <a:rPr lang="ko-KR" altLang="en-US" sz="1600" dirty="0"/>
+              <a:t>  </a:t>
+            </a:r>
+            <a:r>
+              <a:rPr lang="ko-KR" altLang="en-US" sz="1600" dirty="0" err="1"/>
+              <a:t>lcd.backlight</a:t>
+            </a:r>
+            <a:r>
+              <a:rPr lang="ko-KR" altLang="en-US" sz="1600" dirty="0"/>
+              <a:t>();</a:t>
+            </a:r>
+          </a:p>
+          <a:p>
+            <a:r>
+              <a:rPr lang="ko-KR" altLang="en-US" sz="1600" dirty="0"/>
+              <a:t>}</a:t>
+            </a:r>
+          </a:p>
+          <a:p>
+            <a:endParaRPr lang="ko-KR" altLang="en-US" sz="1600" dirty="0"/>
+          </a:p>
+          <a:p>
+            <a:r>
+              <a:rPr lang="ko-KR" altLang="en-US" sz="1600" dirty="0" err="1"/>
+              <a:t>void</a:t>
+            </a:r>
+            <a:r>
+              <a:rPr lang="ko-KR" altLang="en-US" sz="1600" dirty="0"/>
               <a:t> </a:t>
             </a:r>
             <a:r>
-              <a:rPr lang="en-US" altLang="ko-KR" dirty="0"/>
-              <a:t>LED</a:t>
-            </a:r>
-            <a:r>
-              <a:rPr lang="ko-KR" altLang="en-US" dirty="0"/>
-              <a:t>가 꺼지는 장치</a:t>
+              <a:rPr lang="ko-KR" altLang="en-US" sz="1600" dirty="0" err="1"/>
+              <a:t>loop</a:t>
+            </a:r>
+            <a:r>
+              <a:rPr lang="ko-KR" altLang="en-US" sz="1600" dirty="0"/>
+              <a:t>()</a:t>
+            </a:r>
+          </a:p>
+          <a:p>
+            <a:r>
+              <a:rPr lang="ko-KR" altLang="en-US" sz="1600" dirty="0"/>
+              <a:t>{</a:t>
+            </a:r>
+          </a:p>
+          <a:p>
+            <a:r>
+              <a:rPr lang="ko-KR" altLang="en-US" sz="1600" dirty="0"/>
+              <a:t>  </a:t>
+            </a:r>
+          </a:p>
+          <a:p>
+            <a:r>
+              <a:rPr lang="ko-KR" altLang="en-US" sz="1600" dirty="0"/>
+              <a:t>  </a:t>
+            </a:r>
+            <a:r>
+              <a:rPr lang="ko-KR" altLang="en-US" sz="1600" dirty="0" err="1"/>
+              <a:t>if</a:t>
+            </a:r>
+            <a:r>
+              <a:rPr lang="ko-KR" altLang="en-US" sz="1600" dirty="0"/>
+              <a:t>(</a:t>
+            </a:r>
+            <a:r>
+              <a:rPr lang="ko-KR" altLang="en-US" sz="1600" dirty="0" err="1"/>
+              <a:t>Serial.available</a:t>
+            </a:r>
+            <a:r>
+              <a:rPr lang="ko-KR" altLang="en-US" sz="1600" dirty="0"/>
+              <a:t>())</a:t>
+            </a:r>
+          </a:p>
+          <a:p>
+            <a:r>
+              <a:rPr lang="ko-KR" altLang="en-US" sz="1600" dirty="0"/>
+              <a:t>  {</a:t>
+            </a:r>
+          </a:p>
+          <a:p>
+            <a:r>
+              <a:rPr lang="ko-KR" altLang="en-US" sz="1600" dirty="0"/>
+              <a:t>    </a:t>
+            </a:r>
+            <a:r>
+              <a:rPr lang="ko-KR" altLang="en-US" sz="1600" dirty="0" err="1"/>
+              <a:t>Serial.println</a:t>
+            </a:r>
+            <a:r>
+              <a:rPr lang="ko-KR" altLang="en-US" sz="1600" dirty="0"/>
+              <a:t>("OK");</a:t>
+            </a:r>
+          </a:p>
+          <a:p>
+            <a:r>
+              <a:rPr lang="ko-KR" altLang="en-US" sz="1600" dirty="0"/>
+              <a:t>    </a:t>
+            </a:r>
+            <a:r>
+              <a:rPr lang="ko-KR" altLang="en-US" sz="1600" dirty="0" err="1"/>
+              <a:t>cmd</a:t>
+            </a:r>
+            <a:r>
+              <a:rPr lang="ko-KR" altLang="en-US" sz="1600" dirty="0"/>
+              <a:t>=</a:t>
+            </a:r>
+            <a:r>
+              <a:rPr lang="ko-KR" altLang="en-US" sz="1600" dirty="0" err="1"/>
+              <a:t>Serial.readStringUntil</a:t>
+            </a:r>
+            <a:r>
+              <a:rPr lang="ko-KR" altLang="en-US" sz="1600" dirty="0"/>
+              <a:t>('\</a:t>
+            </a:r>
+            <a:r>
+              <a:rPr lang="ko-KR" altLang="en-US" sz="1600" dirty="0" err="1"/>
+              <a:t>n</a:t>
+            </a:r>
+            <a:r>
+              <a:rPr lang="ko-KR" altLang="en-US" sz="1600" dirty="0"/>
+              <a:t>');</a:t>
+            </a:r>
+          </a:p>
+          <a:p>
+            <a:r>
+              <a:rPr lang="ko-KR" altLang="en-US" sz="1600" dirty="0"/>
+              <a:t>    </a:t>
+            </a:r>
+            <a:r>
+              <a:rPr lang="ko-KR" altLang="en-US" sz="1600" dirty="0" err="1"/>
+              <a:t>lcd.clear</a:t>
+            </a:r>
+            <a:r>
+              <a:rPr lang="ko-KR" altLang="en-US" sz="1600" dirty="0"/>
+              <a:t>();</a:t>
+            </a:r>
+          </a:p>
+          <a:p>
+            <a:r>
+              <a:rPr lang="ko-KR" altLang="en-US" sz="1600" dirty="0"/>
+              <a:t>    </a:t>
+            </a:r>
+            <a:r>
+              <a:rPr lang="ko-KR" altLang="en-US" sz="1600" dirty="0" err="1"/>
+              <a:t>lcd.setCursor</a:t>
+            </a:r>
+            <a:r>
+              <a:rPr lang="ko-KR" altLang="en-US" sz="1600" dirty="0"/>
+              <a:t>(0,0);</a:t>
+            </a:r>
+          </a:p>
+          <a:p>
+            <a:r>
+              <a:rPr lang="ko-KR" altLang="en-US" sz="1600" dirty="0"/>
+              <a:t>    </a:t>
+            </a:r>
+            <a:r>
+              <a:rPr lang="ko-KR" altLang="en-US" sz="1600" dirty="0" err="1"/>
+              <a:t>lcd.print</a:t>
+            </a:r>
+            <a:r>
+              <a:rPr lang="ko-KR" altLang="en-US" sz="1600" dirty="0"/>
+              <a:t>(</a:t>
+            </a:r>
+            <a:r>
+              <a:rPr lang="ko-KR" altLang="en-US" sz="1600" dirty="0" err="1"/>
+              <a:t>cmd</a:t>
+            </a:r>
+            <a:r>
+              <a:rPr lang="ko-KR" altLang="en-US" sz="1600" dirty="0"/>
+              <a:t>);</a:t>
+            </a:r>
+          </a:p>
+          <a:p>
+            <a:endParaRPr lang="ko-KR" altLang="en-US" sz="1600" dirty="0"/>
+          </a:p>
+          <a:p>
+            <a:r>
+              <a:rPr lang="ko-KR" altLang="en-US" sz="1600" dirty="0"/>
+              <a:t>  }</a:t>
+            </a:r>
+          </a:p>
+          <a:p>
+            <a:r>
+              <a:rPr lang="ko-KR" altLang="en-US" sz="1600" dirty="0"/>
+              <a:t>}</a:t>
             </a:r>
           </a:p>
         </p:txBody>
@@ -7684,7 +7947,7 @@
     </p:spTree>
     <p:extLst>
       <p:ext uri="{BB962C8B-B14F-4D97-AF65-F5344CB8AC3E}">
-        <p14:creationId xmlns:p14="http://schemas.microsoft.com/office/powerpoint/2010/main" val="3321815379"/>
+        <p14:creationId xmlns:p14="http://schemas.microsoft.com/office/powerpoint/2010/main" val="3541013817"/>
       </p:ext>
     </p:extLst>
   </p:cSld>

--- a/day3/미리가는 연구실(07.24).pptx
+++ b/day3/미리가는 연구실(07.24).pptx
@@ -5679,8 +5679,13 @@
             </a:r>
             <a:r>
               <a:rPr lang="en-US" altLang="ko-KR" dirty="0"/>
-              <a:t> activate Arduino</a:t>
-            </a:r>
+              <a:t> activate </a:t>
+            </a:r>
+            <a:r>
+              <a:rPr lang="en-US" altLang="ko-KR"/>
+              <a:t>arduino</a:t>
+            </a:r>
+            <a:endParaRPr lang="en-US" altLang="ko-KR" dirty="0"/>
           </a:p>
           <a:p>
             <a:pPr marL="342900" indent="-342900">
